--- a/旗形/旗形形态.pptx
+++ b/旗形/旗形形态.pptx
@@ -5,7 +5,7 @@
     <p:sldMasterId id="2147483648" r:id="rId1"/>
   </p:sldMasterIdLst>
   <p:notesMasterIdLst>
-    <p:notesMasterId r:id="rId29"/>
+    <p:notesMasterId r:id="rId32"/>
   </p:notesMasterIdLst>
   <p:sldIdLst>
     <p:sldId id="256" r:id="rId2"/>
@@ -31,10 +31,13 @@
     <p:sldId id="280" r:id="rId22"/>
     <p:sldId id="281" r:id="rId23"/>
     <p:sldId id="282" r:id="rId24"/>
-    <p:sldId id="287" r:id="rId25"/>
-    <p:sldId id="285" r:id="rId26"/>
-    <p:sldId id="286" r:id="rId27"/>
-    <p:sldId id="271" r:id="rId28"/>
+    <p:sldId id="288" r:id="rId25"/>
+    <p:sldId id="289" r:id="rId26"/>
+    <p:sldId id="290" r:id="rId27"/>
+    <p:sldId id="287" r:id="rId28"/>
+    <p:sldId id="285" r:id="rId29"/>
+    <p:sldId id="286" r:id="rId30"/>
+    <p:sldId id="271" r:id="rId31"/>
   </p:sldIdLst>
   <p:sldSz cx="12192000" cy="6858000"/>
   <p:notesSz cx="6858000" cy="9144000"/>
@@ -234,7 +237,7 @@
           <a:p>
             <a:fld id="{F85619C7-EB42-4CCC-85F1-12F38EF7D76D}" type="datetimeFigureOut">
               <a:rPr lang="zh-CN" altLang="en-US" smtClean="0"/>
-              <a:t>2025-03-24</a:t>
+              <a:t>2025-03-27</a:t>
             </a:fld>
             <a:endParaRPr lang="zh-CN" altLang="en-US"/>
           </a:p>
@@ -732,7 +735,7 @@
           <a:p>
             <a:fld id="{449C7946-DD16-4BFD-8300-843084219768}" type="datetimeFigureOut">
               <a:rPr lang="zh-CN" altLang="en-US" smtClean="0"/>
-              <a:t>2025-03-24</a:t>
+              <a:t>2025-03-27</a:t>
             </a:fld>
             <a:endParaRPr lang="zh-CN" altLang="en-US"/>
           </a:p>
@@ -930,7 +933,7 @@
           <a:p>
             <a:fld id="{449C7946-DD16-4BFD-8300-843084219768}" type="datetimeFigureOut">
               <a:rPr lang="zh-CN" altLang="en-US" smtClean="0"/>
-              <a:t>2025-03-24</a:t>
+              <a:t>2025-03-27</a:t>
             </a:fld>
             <a:endParaRPr lang="zh-CN" altLang="en-US"/>
           </a:p>
@@ -1138,7 +1141,7 @@
           <a:p>
             <a:fld id="{449C7946-DD16-4BFD-8300-843084219768}" type="datetimeFigureOut">
               <a:rPr lang="zh-CN" altLang="en-US" smtClean="0"/>
-              <a:t>2025-03-24</a:t>
+              <a:t>2025-03-27</a:t>
             </a:fld>
             <a:endParaRPr lang="zh-CN" altLang="en-US"/>
           </a:p>
@@ -1336,7 +1339,7 @@
           <a:p>
             <a:fld id="{449C7946-DD16-4BFD-8300-843084219768}" type="datetimeFigureOut">
               <a:rPr lang="zh-CN" altLang="en-US" smtClean="0"/>
-              <a:t>2025-03-24</a:t>
+              <a:t>2025-03-27</a:t>
             </a:fld>
             <a:endParaRPr lang="zh-CN" altLang="en-US"/>
           </a:p>
@@ -1611,7 +1614,7 @@
           <a:p>
             <a:fld id="{449C7946-DD16-4BFD-8300-843084219768}" type="datetimeFigureOut">
               <a:rPr lang="zh-CN" altLang="en-US" smtClean="0"/>
-              <a:t>2025-03-24</a:t>
+              <a:t>2025-03-27</a:t>
             </a:fld>
             <a:endParaRPr lang="zh-CN" altLang="en-US"/>
           </a:p>
@@ -1876,7 +1879,7 @@
           <a:p>
             <a:fld id="{449C7946-DD16-4BFD-8300-843084219768}" type="datetimeFigureOut">
               <a:rPr lang="zh-CN" altLang="en-US" smtClean="0"/>
-              <a:t>2025-03-24</a:t>
+              <a:t>2025-03-27</a:t>
             </a:fld>
             <a:endParaRPr lang="zh-CN" altLang="en-US"/>
           </a:p>
@@ -2288,7 +2291,7 @@
           <a:p>
             <a:fld id="{449C7946-DD16-4BFD-8300-843084219768}" type="datetimeFigureOut">
               <a:rPr lang="zh-CN" altLang="en-US" smtClean="0"/>
-              <a:t>2025-03-24</a:t>
+              <a:t>2025-03-27</a:t>
             </a:fld>
             <a:endParaRPr lang="zh-CN" altLang="en-US"/>
           </a:p>
@@ -2429,7 +2432,7 @@
           <a:p>
             <a:fld id="{449C7946-DD16-4BFD-8300-843084219768}" type="datetimeFigureOut">
               <a:rPr lang="zh-CN" altLang="en-US" smtClean="0"/>
-              <a:t>2025-03-24</a:t>
+              <a:t>2025-03-27</a:t>
             </a:fld>
             <a:endParaRPr lang="zh-CN" altLang="en-US"/>
           </a:p>
@@ -2542,7 +2545,7 @@
           <a:p>
             <a:fld id="{449C7946-DD16-4BFD-8300-843084219768}" type="datetimeFigureOut">
               <a:rPr lang="zh-CN" altLang="en-US" smtClean="0"/>
-              <a:t>2025-03-24</a:t>
+              <a:t>2025-03-27</a:t>
             </a:fld>
             <a:endParaRPr lang="zh-CN" altLang="en-US"/>
           </a:p>
@@ -2853,7 +2856,7 @@
           <a:p>
             <a:fld id="{449C7946-DD16-4BFD-8300-843084219768}" type="datetimeFigureOut">
               <a:rPr lang="zh-CN" altLang="en-US" smtClean="0"/>
-              <a:t>2025-03-24</a:t>
+              <a:t>2025-03-27</a:t>
             </a:fld>
             <a:endParaRPr lang="zh-CN" altLang="en-US"/>
           </a:p>
@@ -3141,7 +3144,7 @@
           <a:p>
             <a:fld id="{449C7946-DD16-4BFD-8300-843084219768}" type="datetimeFigureOut">
               <a:rPr lang="zh-CN" altLang="en-US" smtClean="0"/>
-              <a:t>2025-03-24</a:t>
+              <a:t>2025-03-27</a:t>
             </a:fld>
             <a:endParaRPr lang="zh-CN" altLang="en-US"/>
           </a:p>
@@ -3382,7 +3385,7 @@
           <a:p>
             <a:fld id="{449C7946-DD16-4BFD-8300-843084219768}" type="datetimeFigureOut">
               <a:rPr lang="zh-CN" altLang="en-US" smtClean="0"/>
-              <a:t>2025-03-24</a:t>
+              <a:t>2025-03-27</a:t>
             </a:fld>
             <a:endParaRPr lang="zh-CN" altLang="en-US"/>
           </a:p>
@@ -12931,6 +12934,1178 @@
   <p:cSld>
     <p:spTree>
       <p:nvGrpSpPr>
+        <p:cNvPr id="1" name=""/>
+        <p:cNvGrpSpPr/>
+        <p:nvPr/>
+      </p:nvGrpSpPr>
+      <p:grpSpPr>
+        <a:xfrm>
+          <a:off x="0" y="0"/>
+          <a:ext cx="0" cy="0"/>
+          <a:chOff x="0" y="0"/>
+          <a:chExt cx="0" cy="0"/>
+        </a:xfrm>
+      </p:grpSpPr>
+      <p:sp>
+        <p:nvSpPr>
+          <p:cNvPr id="5" name="文本框 4">
+            <a:extLst>
+              <a:ext uri="{FF2B5EF4-FFF2-40B4-BE49-F238E27FC236}">
+                <a16:creationId xmlns:a16="http://schemas.microsoft.com/office/drawing/2014/main" id="{B803FF0D-F335-A523-94DF-DE9C878DC1A5}"/>
+              </a:ext>
+            </a:extLst>
+          </p:cNvPr>
+          <p:cNvSpPr txBox="1"/>
+          <p:nvPr/>
+        </p:nvSpPr>
+        <p:spPr>
+          <a:xfrm>
+            <a:off x="220916" y="134222"/>
+            <a:ext cx="6097280" cy="369332"/>
+          </a:xfrm>
+          <a:prstGeom prst="rect">
+            <a:avLst/>
+          </a:prstGeom>
+          <a:noFill/>
+        </p:spPr>
+        <p:txBody>
+          <a:bodyPr wrap="square">
+            <a:spAutoFit/>
+          </a:bodyPr>
+          <a:lstStyle/>
+          <a:p>
+            <a:r>
+              <a:rPr lang="zh-CN" altLang="en-US" dirty="0"/>
+              <a:t>trendline_automation</a:t>
+            </a:r>
+          </a:p>
+        </p:txBody>
+      </p:sp>
+      <p:sp>
+        <p:nvSpPr>
+          <p:cNvPr id="7" name="文本框 6">
+            <a:extLst>
+              <a:ext uri="{FF2B5EF4-FFF2-40B4-BE49-F238E27FC236}">
+                <a16:creationId xmlns:a16="http://schemas.microsoft.com/office/drawing/2014/main" id="{18B5F602-A02D-9131-2867-F00BA60EEB8F}"/>
+              </a:ext>
+            </a:extLst>
+          </p:cNvPr>
+          <p:cNvSpPr txBox="1"/>
+          <p:nvPr/>
+        </p:nvSpPr>
+        <p:spPr>
+          <a:xfrm>
+            <a:off x="728061" y="843677"/>
+            <a:ext cx="6097280" cy="2585323"/>
+          </a:xfrm>
+          <a:prstGeom prst="rect">
+            <a:avLst/>
+          </a:prstGeom>
+          <a:noFill/>
+        </p:spPr>
+        <p:txBody>
+          <a:bodyPr wrap="square">
+            <a:spAutoFit/>
+          </a:bodyPr>
+          <a:lstStyle/>
+          <a:p>
+            <a:r>
+              <a:rPr lang="zh-CN" altLang="en-US" dirty="0"/>
+              <a:t>fit_trendlines_high_low (或 fit_trendlines_single)</a:t>
+            </a:r>
+          </a:p>
+          <a:p>
+            <a:r>
+              <a:rPr lang="zh-CN" altLang="en-US" dirty="0"/>
+              <a:t>        │</a:t>
+            </a:r>
+          </a:p>
+          <a:p>
+            <a:r>
+              <a:rPr lang="zh-CN" altLang="en-US" dirty="0"/>
+              <a:t>        │ 调用</a:t>
+            </a:r>
+          </a:p>
+          <a:p>
+            <a:r>
+              <a:rPr lang="zh-CN" altLang="en-US" dirty="0"/>
+              <a:t>        ▼</a:t>
+            </a:r>
+          </a:p>
+          <a:p>
+            <a:r>
+              <a:rPr lang="zh-CN" altLang="en-US" dirty="0"/>
+              <a:t>optimize_slope</a:t>
+            </a:r>
+          </a:p>
+          <a:p>
+            <a:r>
+              <a:rPr lang="zh-CN" altLang="en-US" dirty="0"/>
+              <a:t>        │</a:t>
+            </a:r>
+          </a:p>
+          <a:p>
+            <a:r>
+              <a:rPr lang="zh-CN" altLang="en-US" dirty="0"/>
+              <a:t>        │ 调用</a:t>
+            </a:r>
+          </a:p>
+          <a:p>
+            <a:r>
+              <a:rPr lang="zh-CN" altLang="en-US" dirty="0"/>
+              <a:t>        ▼</a:t>
+            </a:r>
+          </a:p>
+          <a:p>
+            <a:r>
+              <a:rPr lang="zh-CN" altLang="en-US" dirty="0"/>
+              <a:t>check_trend_line</a:t>
+            </a:r>
+          </a:p>
+        </p:txBody>
+      </p:sp>
+      <p:sp>
+        <p:nvSpPr>
+          <p:cNvPr id="9" name="文本框 8">
+            <a:extLst>
+              <a:ext uri="{FF2B5EF4-FFF2-40B4-BE49-F238E27FC236}">
+                <a16:creationId xmlns:a16="http://schemas.microsoft.com/office/drawing/2014/main" id="{A0851787-36A0-EA8E-C03D-03AA9CFC7624}"/>
+              </a:ext>
+            </a:extLst>
+          </p:cNvPr>
+          <p:cNvSpPr txBox="1"/>
+          <p:nvPr/>
+        </p:nvSpPr>
+        <p:spPr>
+          <a:xfrm>
+            <a:off x="416539" y="3582671"/>
+            <a:ext cx="11358922" cy="2585323"/>
+          </a:xfrm>
+          <a:prstGeom prst="rect">
+            <a:avLst/>
+          </a:prstGeom>
+          <a:noFill/>
+        </p:spPr>
+        <p:txBody>
+          <a:bodyPr wrap="square">
+            <a:spAutoFit/>
+          </a:bodyPr>
+          <a:lstStyle/>
+          <a:p>
+            <a:r>
+              <a:rPr lang="zh-CN" altLang="en-US" dirty="0"/>
+              <a:t>① 最上层：</a:t>
+            </a:r>
+            <a:endParaRPr lang="en-US" altLang="zh-CN" dirty="0"/>
+          </a:p>
+          <a:p>
+            <a:r>
+              <a:rPr lang="en-US" altLang="zh-CN" dirty="0" err="1"/>
+              <a:t>fit_trendlines_high_low</a:t>
+            </a:r>
+            <a:r>
+              <a:rPr lang="zh-CN" altLang="en-US" dirty="0"/>
+              <a:t>（或</a:t>
+            </a:r>
+            <a:r>
+              <a:rPr lang="en-US" altLang="zh-CN" dirty="0" err="1"/>
+              <a:t>fit_trendlines_single</a:t>
+            </a:r>
+            <a:r>
+              <a:rPr lang="zh-CN" altLang="en-US" dirty="0"/>
+              <a:t>）提供整体流程：给出初始趋势线（通过线性回归得到）。确定趋势线上关键点（</a:t>
+            </a:r>
+            <a:r>
+              <a:rPr lang="en-US" altLang="zh-CN" dirty="0"/>
+              <a:t>pivot</a:t>
+            </a:r>
+            <a:r>
+              <a:rPr lang="zh-CN" altLang="en-US" dirty="0"/>
+              <a:t>点，最高</a:t>
+            </a:r>
+            <a:r>
+              <a:rPr lang="en-US" altLang="zh-CN" dirty="0"/>
+              <a:t>/</a:t>
+            </a:r>
+            <a:r>
+              <a:rPr lang="zh-CN" altLang="en-US" dirty="0"/>
+              <a:t>最低点），并调用</a:t>
+            </a:r>
+            <a:r>
+              <a:rPr lang="en-US" altLang="zh-CN" dirty="0" err="1"/>
+              <a:t>optimize_slope</a:t>
+            </a:r>
+            <a:r>
+              <a:rPr lang="zh-CN" altLang="en-US" dirty="0"/>
+              <a:t>。</a:t>
+            </a:r>
+            <a:endParaRPr lang="en-US" altLang="zh-CN" dirty="0"/>
+          </a:p>
+          <a:p>
+            <a:r>
+              <a:rPr lang="zh-CN" altLang="en-US" dirty="0"/>
+              <a:t>② 中间层：</a:t>
+            </a:r>
+            <a:endParaRPr lang="en-US" altLang="zh-CN" dirty="0"/>
+          </a:p>
+          <a:p>
+            <a:r>
+              <a:rPr lang="en-US" altLang="zh-CN" dirty="0" err="1"/>
+              <a:t>optimize_slope</a:t>
+            </a:r>
+            <a:r>
+              <a:rPr lang="zh-CN" altLang="en-US" dirty="0"/>
+              <a:t>函数拿到初始趋势线后，尝试通过调整斜率来优化趋势线的贴合程度。在调整斜率时，每一步都要检查新趋势线是否有效、是否更贴合价格曲线，这时调用底层函数</a:t>
+            </a:r>
+            <a:r>
+              <a:rPr lang="en-US" altLang="zh-CN" dirty="0" err="1"/>
+              <a:t>check_trend_line</a:t>
+            </a:r>
+            <a:r>
+              <a:rPr lang="zh-CN" altLang="en-US" dirty="0"/>
+              <a:t>。</a:t>
+            </a:r>
+            <a:endParaRPr lang="en-US" altLang="zh-CN" dirty="0"/>
+          </a:p>
+          <a:p>
+            <a:r>
+              <a:rPr lang="zh-CN" altLang="en-US" dirty="0"/>
+              <a:t>③ 最底层：</a:t>
+            </a:r>
+            <a:endParaRPr lang="en-US" altLang="zh-CN" dirty="0"/>
+          </a:p>
+          <a:p>
+            <a:r>
+              <a:rPr lang="en-US" altLang="zh-CN" dirty="0" err="1"/>
+              <a:t>check_trend_line</a:t>
+            </a:r>
+            <a:r>
+              <a:rPr lang="zh-CN" altLang="en-US" dirty="0"/>
+              <a:t>函数专门用于评估每个具体的趋势线是否有效。如果有效，则返回趋势线与价格的误差大小，指导上层函数如何继续调整。</a:t>
+            </a:r>
+          </a:p>
+        </p:txBody>
+      </p:sp>
+    </p:spTree>
+    <p:extLst>
+      <p:ext uri="{BB962C8B-B14F-4D97-AF65-F5344CB8AC3E}">
+        <p14:creationId xmlns:p14="http://schemas.microsoft.com/office/powerpoint/2010/main" val="1923294276"/>
+      </p:ext>
+    </p:extLst>
+  </p:cSld>
+  <p:clrMapOvr>
+    <a:masterClrMapping/>
+  </p:clrMapOvr>
+</p:sld>
+</file>
+
+<file path=ppt/slides/slide25.xml><?xml version="1.0" encoding="utf-8"?>
+<p:sld xmlns:a="http://schemas.openxmlformats.org/drawingml/2006/main" xmlns:r="http://schemas.openxmlformats.org/officeDocument/2006/relationships" xmlns:p="http://schemas.openxmlformats.org/presentationml/2006/main">
+  <p:cSld>
+    <p:spTree>
+      <p:nvGrpSpPr>
+        <p:cNvPr id="1" name=""/>
+        <p:cNvGrpSpPr/>
+        <p:nvPr/>
+      </p:nvGrpSpPr>
+      <p:grpSpPr>
+        <a:xfrm>
+          <a:off x="0" y="0"/>
+          <a:ext cx="0" cy="0"/>
+          <a:chOff x="0" y="0"/>
+          <a:chExt cx="0" cy="0"/>
+        </a:xfrm>
+      </p:grpSpPr>
+      <p:sp>
+        <p:nvSpPr>
+          <p:cNvPr id="6" name="文本框 5">
+            <a:extLst>
+              <a:ext uri="{FF2B5EF4-FFF2-40B4-BE49-F238E27FC236}">
+                <a16:creationId xmlns:a16="http://schemas.microsoft.com/office/drawing/2014/main" id="{98FD3623-05B0-42B4-CA71-C8943B3C13AE}"/>
+              </a:ext>
+            </a:extLst>
+          </p:cNvPr>
+          <p:cNvSpPr txBox="1"/>
+          <p:nvPr/>
+        </p:nvSpPr>
+        <p:spPr>
+          <a:xfrm>
+            <a:off x="205547" y="195694"/>
+            <a:ext cx="6097280" cy="369332"/>
+          </a:xfrm>
+          <a:prstGeom prst="rect">
+            <a:avLst/>
+          </a:prstGeom>
+          <a:noFill/>
+        </p:spPr>
+        <p:txBody>
+          <a:bodyPr wrap="square">
+            <a:spAutoFit/>
+          </a:bodyPr>
+          <a:lstStyle/>
+          <a:p>
+            <a:r>
+              <a:rPr lang="zh-CN" altLang="en-US" dirty="0"/>
+              <a:t>入口函数：</a:t>
+            </a:r>
+            <a:r>
+              <a:rPr lang="en-US" altLang="zh-CN" dirty="0" err="1"/>
+              <a:t>fit_trendlines_single</a:t>
+            </a:r>
+            <a:endParaRPr lang="zh-CN" altLang="en-US" dirty="0"/>
+          </a:p>
+        </p:txBody>
+      </p:sp>
+      <p:pic>
+        <p:nvPicPr>
+          <p:cNvPr id="8" name="图片 7">
+            <a:extLst>
+              <a:ext uri="{FF2B5EF4-FFF2-40B4-BE49-F238E27FC236}">
+                <a16:creationId xmlns:a16="http://schemas.microsoft.com/office/drawing/2014/main" id="{DEE021E7-4C64-9E84-3199-4D3B109EE833}"/>
+              </a:ext>
+            </a:extLst>
+          </p:cNvPr>
+          <p:cNvPicPr>
+            <a:picLocks noChangeAspect="1"/>
+          </p:cNvPicPr>
+          <p:nvPr/>
+        </p:nvPicPr>
+        <p:blipFill>
+          <a:blip r:embed="rId2"/>
+          <a:stretch>
+            <a:fillRect/>
+          </a:stretch>
+        </p:blipFill>
+        <p:spPr>
+          <a:xfrm>
+            <a:off x="405355" y="685659"/>
+            <a:ext cx="5372376" cy="5486682"/>
+          </a:xfrm>
+          <a:prstGeom prst="rect">
+            <a:avLst/>
+          </a:prstGeom>
+        </p:spPr>
+      </p:pic>
+      <p:pic>
+        <p:nvPicPr>
+          <p:cNvPr id="10" name="图片 9">
+            <a:extLst>
+              <a:ext uri="{FF2B5EF4-FFF2-40B4-BE49-F238E27FC236}">
+                <a16:creationId xmlns:a16="http://schemas.microsoft.com/office/drawing/2014/main" id="{0A30A3A0-1F12-D329-8D63-508EFC24FCCA}"/>
+              </a:ext>
+            </a:extLst>
+          </p:cNvPr>
+          <p:cNvPicPr>
+            <a:picLocks noChangeAspect="1"/>
+          </p:cNvPicPr>
+          <p:nvPr/>
+        </p:nvPicPr>
+        <p:blipFill>
+          <a:blip r:embed="rId3"/>
+          <a:stretch>
+            <a:fillRect/>
+          </a:stretch>
+        </p:blipFill>
+        <p:spPr>
+          <a:xfrm>
+            <a:off x="6096000" y="89343"/>
+            <a:ext cx="5473981" cy="4527783"/>
+          </a:xfrm>
+          <a:prstGeom prst="rect">
+            <a:avLst/>
+          </a:prstGeom>
+        </p:spPr>
+      </p:pic>
+    </p:spTree>
+    <p:extLst>
+      <p:ext uri="{BB962C8B-B14F-4D97-AF65-F5344CB8AC3E}">
+        <p14:creationId xmlns:p14="http://schemas.microsoft.com/office/powerpoint/2010/main" val="4213611450"/>
+      </p:ext>
+    </p:extLst>
+  </p:cSld>
+  <p:clrMapOvr>
+    <a:masterClrMapping/>
+  </p:clrMapOvr>
+</p:sld>
+</file>
+
+<file path=ppt/slides/slide26.xml><?xml version="1.0" encoding="utf-8"?>
+<p:sld xmlns:a="http://schemas.openxmlformats.org/drawingml/2006/main" xmlns:r="http://schemas.openxmlformats.org/officeDocument/2006/relationships" xmlns:p="http://schemas.openxmlformats.org/presentationml/2006/main">
+  <p:cSld>
+    <p:spTree>
+      <p:nvGrpSpPr>
+        <p:cNvPr id="1" name="">
+          <a:extLst>
+            <a:ext uri="{FF2B5EF4-FFF2-40B4-BE49-F238E27FC236}">
+              <a16:creationId xmlns:a16="http://schemas.microsoft.com/office/drawing/2014/main" id="{4B451BCE-BB3B-BCC0-402F-3E0DDC9E2932}"/>
+            </a:ext>
+          </a:extLst>
+        </p:cNvPr>
+        <p:cNvGrpSpPr/>
+        <p:nvPr/>
+      </p:nvGrpSpPr>
+      <p:grpSpPr>
+        <a:xfrm>
+          <a:off x="0" y="0"/>
+          <a:ext cx="0" cy="0"/>
+          <a:chOff x="0" y="0"/>
+          <a:chExt cx="0" cy="0"/>
+        </a:xfrm>
+      </p:grpSpPr>
+      <p:sp>
+        <p:nvSpPr>
+          <p:cNvPr id="6" name="文本框 5">
+            <a:extLst>
+              <a:ext uri="{FF2B5EF4-FFF2-40B4-BE49-F238E27FC236}">
+                <a16:creationId xmlns:a16="http://schemas.microsoft.com/office/drawing/2014/main" id="{A966D268-E085-2E20-4509-EEEAD53A0E3A}"/>
+              </a:ext>
+            </a:extLst>
+          </p:cNvPr>
+          <p:cNvSpPr txBox="1"/>
+          <p:nvPr/>
+        </p:nvSpPr>
+        <p:spPr>
+          <a:xfrm>
+            <a:off x="205547" y="195694"/>
+            <a:ext cx="6097280" cy="369332"/>
+          </a:xfrm>
+          <a:prstGeom prst="rect">
+            <a:avLst/>
+          </a:prstGeom>
+          <a:noFill/>
+        </p:spPr>
+        <p:txBody>
+          <a:bodyPr wrap="square">
+            <a:spAutoFit/>
+          </a:bodyPr>
+          <a:lstStyle/>
+          <a:p>
+            <a:r>
+              <a:rPr lang="zh-CN" altLang="en-US" dirty="0"/>
+              <a:t>入口函数：</a:t>
+            </a:r>
+            <a:r>
+              <a:rPr lang="en-US" altLang="zh-CN" dirty="0" err="1"/>
+              <a:t>fit_trendlines_single</a:t>
+            </a:r>
+            <a:endParaRPr lang="zh-CN" altLang="en-US" dirty="0"/>
+          </a:p>
+        </p:txBody>
+      </p:sp>
+      <p:sp>
+        <p:nvSpPr>
+          <p:cNvPr id="3" name="文本框 2">
+            <a:extLst>
+              <a:ext uri="{FF2B5EF4-FFF2-40B4-BE49-F238E27FC236}">
+                <a16:creationId xmlns:a16="http://schemas.microsoft.com/office/drawing/2014/main" id="{22397B41-250D-8F24-A72D-8DBF7EB508EE}"/>
+              </a:ext>
+            </a:extLst>
+          </p:cNvPr>
+          <p:cNvSpPr txBox="1"/>
+          <p:nvPr/>
+        </p:nvSpPr>
+        <p:spPr>
+          <a:xfrm>
+            <a:off x="551329" y="846221"/>
+            <a:ext cx="6097280" cy="4247317"/>
+          </a:xfrm>
+          <a:prstGeom prst="rect">
+            <a:avLst/>
+          </a:prstGeom>
+          <a:noFill/>
+        </p:spPr>
+        <p:txBody>
+          <a:bodyPr wrap="square">
+            <a:spAutoFit/>
+          </a:bodyPr>
+          <a:lstStyle/>
+          <a:p>
+            <a:r>
+              <a:rPr lang="zh-CN" altLang="en-US" dirty="0"/>
+              <a:t>开始</a:t>
+            </a:r>
+          </a:p>
+          <a:p>
+            <a:r>
+              <a:rPr lang="zh-CN" altLang="en-US" dirty="0"/>
+              <a:t> │</a:t>
+            </a:r>
+          </a:p>
+          <a:p>
+            <a:r>
+              <a:rPr lang="zh-CN" altLang="en-US" dirty="0"/>
+              <a:t> ▼</a:t>
+            </a:r>
+          </a:p>
+          <a:p>
+            <a:r>
+              <a:rPr lang="zh-CN" altLang="en-US" dirty="0"/>
+              <a:t>初步趋势线（fit_trendlines_single）</a:t>
+            </a:r>
+          </a:p>
+          <a:p>
+            <a:r>
+              <a:rPr lang="zh-CN" altLang="en-US" dirty="0"/>
+              <a:t> │─── 得到初始斜率与关键点</a:t>
+            </a:r>
+          </a:p>
+          <a:p>
+            <a:r>
+              <a:rPr lang="zh-CN" altLang="en-US" dirty="0"/>
+              <a:t> │</a:t>
+            </a:r>
+          </a:p>
+          <a:p>
+            <a:r>
+              <a:rPr lang="zh-CN" altLang="en-US" dirty="0"/>
+              <a:t> ▼</a:t>
+            </a:r>
+          </a:p>
+          <a:p>
+            <a:r>
+              <a:rPr lang="zh-CN" altLang="en-US" dirty="0"/>
+              <a:t>优化趋势线（optimize_slope）</a:t>
+            </a:r>
+          </a:p>
+          <a:p>
+            <a:r>
+              <a:rPr lang="zh-CN" altLang="en-US" dirty="0"/>
+              <a:t> │─── 微调斜率，使误差最小</a:t>
+            </a:r>
+          </a:p>
+          <a:p>
+            <a:r>
+              <a:rPr lang="zh-CN" altLang="en-US" dirty="0"/>
+              <a:t> │─── 检查趋势线有效性（check_trend_line）</a:t>
+            </a:r>
+          </a:p>
+          <a:p>
+            <a:r>
+              <a:rPr lang="zh-CN" altLang="en-US" dirty="0"/>
+              <a:t> │</a:t>
+            </a:r>
+          </a:p>
+          <a:p>
+            <a:r>
+              <a:rPr lang="zh-CN" altLang="en-US" dirty="0"/>
+              <a:t> ▼</a:t>
+            </a:r>
+          </a:p>
+          <a:p>
+            <a:r>
+              <a:rPr lang="zh-CN" altLang="en-US" dirty="0"/>
+              <a:t>最终输出两条趋势线：</a:t>
+            </a:r>
+          </a:p>
+          <a:p>
+            <a:r>
+              <a:rPr lang="zh-CN" altLang="en-US" dirty="0"/>
+              <a:t>   - 阻力线 (Resistance Line)</a:t>
+            </a:r>
+          </a:p>
+          <a:p>
+            <a:r>
+              <a:rPr lang="zh-CN" altLang="en-US" dirty="0"/>
+              <a:t>   - 支撑线 (Support Line)</a:t>
+            </a:r>
+          </a:p>
+        </p:txBody>
+      </p:sp>
+      <p:sp>
+        <p:nvSpPr>
+          <p:cNvPr id="7" name="Rectangle 1">
+            <a:extLst>
+              <a:ext uri="{FF2B5EF4-FFF2-40B4-BE49-F238E27FC236}">
+                <a16:creationId xmlns:a16="http://schemas.microsoft.com/office/drawing/2014/main" id="{D3C9FCEF-2480-ABE3-6040-0EBE48BB380C}"/>
+              </a:ext>
+            </a:extLst>
+          </p:cNvPr>
+          <p:cNvSpPr>
+            <a:spLocks noChangeArrowheads="1"/>
+          </p:cNvSpPr>
+          <p:nvPr/>
+        </p:nvSpPr>
+        <p:spPr bwMode="auto">
+          <a:xfrm>
+            <a:off x="5289790" y="2642"/>
+            <a:ext cx="6097280" cy="1918310"/>
+          </a:xfrm>
+          <a:prstGeom prst="rect">
+            <a:avLst/>
+          </a:prstGeom>
+          <a:noFill/>
+          <a:ln>
+            <a:noFill/>
+          </a:ln>
+          <a:effectLst/>
+          <a:extLst>
+            <a:ext uri="{909E8E84-426E-40DD-AFC4-6F175D3DCCD1}">
+              <a14:hiddenFill xmlns:a14="http://schemas.microsoft.com/office/drawing/2010/main">
+                <a:solidFill>
+                  <a:schemeClr val="accent1"/>
+                </a:solidFill>
+              </a14:hiddenFill>
+            </a:ext>
+            <a:ext uri="{91240B29-F687-4F45-9708-019B960494DF}">
+              <a14:hiddenLine xmlns:a14="http://schemas.microsoft.com/office/drawing/2010/main" w="9525">
+                <a:solidFill>
+                  <a:schemeClr val="tx1"/>
+                </a:solidFill>
+                <a:miter lim="800000"/>
+                <a:headEnd/>
+                <a:tailEnd/>
+              </a14:hiddenLine>
+            </a:ext>
+            <a:ext uri="{AF507438-7753-43E0-B8FC-AC1667EBCBE1}">
+              <a14:hiddenEffects xmlns:a14="http://schemas.microsoft.com/office/drawing/2010/main">
+                <a:effectLst>
+                  <a:outerShdw dist="35921" dir="2700000" algn="ctr" rotWithShape="0">
+                    <a:schemeClr val="bg2"/>
+                  </a:outerShdw>
+                </a:effectLst>
+              </a14:hiddenEffects>
+            </a:ext>
+          </a:extLst>
+        </p:spPr>
+        <p:txBody>
+          <a:bodyPr vert="horz" wrap="none" lIns="91440" tIns="45720" rIns="91440" bIns="45720" numCol="1" anchor="t" anchorCtr="0" compatLnSpc="1">
+            <a:prstTxWarp prst="textNoShape">
+              <a:avLst/>
+            </a:prstTxWarp>
+            <a:noAutofit/>
+          </a:bodyPr>
+          <a:lstStyle/>
+          <a:p>
+            <a:pPr marL="0" marR="0" lvl="0" indent="0" algn="l" defTabSz="914400" rtl="0" eaLnBrk="0" fontAlgn="base" latinLnBrk="0" hangingPunct="0">
+              <a:lnSpc>
+                <a:spcPct val="100000"/>
+              </a:lnSpc>
+              <a:spcBef>
+                <a:spcPct val="0"/>
+              </a:spcBef>
+              <a:spcAft>
+                <a:spcPct val="0"/>
+              </a:spcAft>
+              <a:buClrTx/>
+              <a:buSzTx/>
+              <a:buFontTx/>
+              <a:buNone/>
+              <a:tabLst/>
+            </a:pPr>
+            <a:r>
+              <a:rPr kumimoji="0" lang="zh-CN" altLang="zh-CN" sz="1200" b="1" i="0" u="none" strike="noStrike" cap="none" normalizeH="0" baseline="0" dirty="0">
+                <a:ln>
+                  <a:noFill/>
+                </a:ln>
+                <a:solidFill>
+                  <a:schemeClr val="tx1"/>
+                </a:solidFill>
+                <a:effectLst/>
+                <a:latin typeface="楷体" panose="02010609060101010101" pitchFamily="49" charset="-122"/>
+                <a:ea typeface="楷体" panose="02010609060101010101" pitchFamily="49" charset="-122"/>
+              </a:rPr>
+              <a:t>🌱 第一步：初步确定趋势线的位置（fit_trendlines_single）</a:t>
+            </a:r>
+          </a:p>
+          <a:p>
+            <a:pPr marL="0" marR="0" lvl="0" indent="0" algn="l" defTabSz="914400" rtl="0" eaLnBrk="0" fontAlgn="base" latinLnBrk="0" hangingPunct="0">
+              <a:lnSpc>
+                <a:spcPct val="100000"/>
+              </a:lnSpc>
+              <a:spcBef>
+                <a:spcPct val="0"/>
+              </a:spcBef>
+              <a:spcAft>
+                <a:spcPct val="0"/>
+              </a:spcAft>
+              <a:buClrTx/>
+              <a:buSzTx/>
+              <a:buFontTx/>
+              <a:buAutoNum type="arabicPeriod"/>
+              <a:tabLst/>
+            </a:pPr>
+            <a:r>
+              <a:rPr kumimoji="0" lang="zh-CN" altLang="zh-CN" sz="1200" b="1" i="0" u="none" strike="noStrike" cap="none" normalizeH="0" baseline="0" dirty="0">
+                <a:ln>
+                  <a:noFill/>
+                </a:ln>
+                <a:solidFill>
+                  <a:schemeClr val="tx1"/>
+                </a:solidFill>
+                <a:effectLst/>
+                <a:latin typeface="楷体" panose="02010609060101010101" pitchFamily="49" charset="-122"/>
+                <a:ea typeface="楷体" panose="02010609060101010101" pitchFamily="49" charset="-122"/>
+              </a:rPr>
+              <a:t>输入</a:t>
+            </a:r>
+            <a:r>
+              <a:rPr kumimoji="0" lang="zh-CN" altLang="zh-CN" sz="1200" b="0" i="0" u="none" strike="noStrike" cap="none" normalizeH="0" baseline="0" dirty="0">
+                <a:ln>
+                  <a:noFill/>
+                </a:ln>
+                <a:solidFill>
+                  <a:schemeClr val="tx1"/>
+                </a:solidFill>
+                <a:effectLst/>
+                <a:latin typeface="楷体" panose="02010609060101010101" pitchFamily="49" charset="-122"/>
+                <a:ea typeface="楷体" panose="02010609060101010101" pitchFamily="49" charset="-122"/>
+              </a:rPr>
+              <a:t>：</a:t>
+            </a:r>
+          </a:p>
+          <a:p>
+            <a:pPr marL="457200" marR="0" lvl="1" indent="0" algn="l" defTabSz="914400" rtl="0" eaLnBrk="0" fontAlgn="base" latinLnBrk="0" hangingPunct="0">
+              <a:lnSpc>
+                <a:spcPct val="100000"/>
+              </a:lnSpc>
+              <a:spcBef>
+                <a:spcPct val="0"/>
+              </a:spcBef>
+              <a:spcAft>
+                <a:spcPct val="0"/>
+              </a:spcAft>
+              <a:buClrTx/>
+              <a:buSzTx/>
+              <a:buFontTx/>
+              <a:buChar char="•"/>
+              <a:tabLst/>
+            </a:pPr>
+            <a:r>
+              <a:rPr kumimoji="0" lang="zh-CN" altLang="zh-CN" sz="1200" b="0" i="0" u="none" strike="noStrike" cap="none" normalizeH="0" baseline="0" dirty="0">
+                <a:ln>
+                  <a:noFill/>
+                </a:ln>
+                <a:solidFill>
+                  <a:schemeClr val="tx1"/>
+                </a:solidFill>
+                <a:effectLst/>
+                <a:latin typeface="楷体" panose="02010609060101010101" pitchFamily="49" charset="-122"/>
+                <a:ea typeface="楷体" panose="02010609060101010101" pitchFamily="49" charset="-122"/>
+              </a:rPr>
+              <a:t>价格数据（通常是每日收盘价）。</a:t>
+            </a:r>
+          </a:p>
+          <a:p>
+            <a:pPr marL="0" marR="0" lvl="0" indent="0" algn="l" defTabSz="914400" rtl="0" eaLnBrk="0" fontAlgn="base" latinLnBrk="0" hangingPunct="0">
+              <a:lnSpc>
+                <a:spcPct val="100000"/>
+              </a:lnSpc>
+              <a:spcBef>
+                <a:spcPct val="0"/>
+              </a:spcBef>
+              <a:spcAft>
+                <a:spcPct val="0"/>
+              </a:spcAft>
+              <a:buClrTx/>
+              <a:buSzTx/>
+              <a:buFontTx/>
+              <a:buAutoNum type="arabicPeriod" startAt="2"/>
+              <a:tabLst/>
+            </a:pPr>
+            <a:r>
+              <a:rPr kumimoji="0" lang="zh-CN" altLang="zh-CN" sz="1200" b="1" i="0" u="none" strike="noStrike" cap="none" normalizeH="0" baseline="0" dirty="0">
+                <a:ln>
+                  <a:noFill/>
+                </a:ln>
+                <a:solidFill>
+                  <a:schemeClr val="tx1"/>
+                </a:solidFill>
+                <a:effectLst/>
+                <a:latin typeface="楷体" panose="02010609060101010101" pitchFamily="49" charset="-122"/>
+                <a:ea typeface="楷体" panose="02010609060101010101" pitchFamily="49" charset="-122"/>
+              </a:rPr>
+              <a:t>初步趋势线计算</a:t>
+            </a:r>
+            <a:r>
+              <a:rPr kumimoji="0" lang="zh-CN" altLang="zh-CN" sz="1200" b="0" i="0" u="none" strike="noStrike" cap="none" normalizeH="0" baseline="0" dirty="0">
+                <a:ln>
+                  <a:noFill/>
+                </a:ln>
+                <a:solidFill>
+                  <a:schemeClr val="tx1"/>
+                </a:solidFill>
+                <a:effectLst/>
+                <a:latin typeface="楷体" panose="02010609060101010101" pitchFamily="49" charset="-122"/>
+                <a:ea typeface="楷体" panose="02010609060101010101" pitchFamily="49" charset="-122"/>
+              </a:rPr>
+              <a:t>：</a:t>
+            </a:r>
+          </a:p>
+          <a:p>
+            <a:pPr marL="457200" marR="0" lvl="1" indent="0" algn="l" defTabSz="914400" rtl="0" eaLnBrk="0" fontAlgn="base" latinLnBrk="0" hangingPunct="0">
+              <a:lnSpc>
+                <a:spcPct val="100000"/>
+              </a:lnSpc>
+              <a:spcBef>
+                <a:spcPct val="0"/>
+              </a:spcBef>
+              <a:spcAft>
+                <a:spcPct val="0"/>
+              </a:spcAft>
+              <a:buClrTx/>
+              <a:buSzTx/>
+              <a:buFontTx/>
+              <a:buChar char="•"/>
+              <a:tabLst/>
+            </a:pPr>
+            <a:r>
+              <a:rPr kumimoji="0" lang="zh-CN" altLang="zh-CN" sz="1200" b="0" i="0" u="none" strike="noStrike" cap="none" normalizeH="0" baseline="0" dirty="0">
+                <a:ln>
+                  <a:noFill/>
+                </a:ln>
+                <a:solidFill>
+                  <a:schemeClr val="tx1"/>
+                </a:solidFill>
+                <a:effectLst/>
+                <a:latin typeface="楷体" panose="02010609060101010101" pitchFamily="49" charset="-122"/>
+                <a:ea typeface="楷体" panose="02010609060101010101" pitchFamily="49" charset="-122"/>
+              </a:rPr>
+              <a:t>使用线性回归（最小二乘法）得到一条初始趋势线。</a:t>
+            </a:r>
+          </a:p>
+          <a:p>
+            <a:pPr marL="457200" marR="0" lvl="1" indent="0" algn="l" defTabSz="914400" rtl="0" eaLnBrk="0" fontAlgn="base" latinLnBrk="0" hangingPunct="0">
+              <a:lnSpc>
+                <a:spcPct val="100000"/>
+              </a:lnSpc>
+              <a:spcBef>
+                <a:spcPct val="0"/>
+              </a:spcBef>
+              <a:spcAft>
+                <a:spcPct val="0"/>
+              </a:spcAft>
+              <a:buClrTx/>
+              <a:buSzTx/>
+              <a:buFontTx/>
+              <a:buChar char="•"/>
+              <a:tabLst/>
+            </a:pPr>
+            <a:r>
+              <a:rPr kumimoji="0" lang="zh-CN" altLang="zh-CN" sz="1200" b="0" i="0" u="none" strike="noStrike" cap="none" normalizeH="0" baseline="0" dirty="0">
+                <a:ln>
+                  <a:noFill/>
+                </a:ln>
+                <a:solidFill>
+                  <a:schemeClr val="tx1"/>
+                </a:solidFill>
+                <a:effectLst/>
+                <a:latin typeface="楷体" panose="02010609060101010101" pitchFamily="49" charset="-122"/>
+                <a:ea typeface="楷体" panose="02010609060101010101" pitchFamily="49" charset="-122"/>
+              </a:rPr>
+              <a:t>计算这条初始趋势线与实际价格之间的偏差。</a:t>
+            </a:r>
+          </a:p>
+          <a:p>
+            <a:pPr marL="0" marR="0" lvl="0" indent="0" algn="l" defTabSz="914400" rtl="0" eaLnBrk="0" fontAlgn="base" latinLnBrk="0" hangingPunct="0">
+              <a:lnSpc>
+                <a:spcPct val="100000"/>
+              </a:lnSpc>
+              <a:spcBef>
+                <a:spcPct val="0"/>
+              </a:spcBef>
+              <a:spcAft>
+                <a:spcPct val="0"/>
+              </a:spcAft>
+              <a:buClrTx/>
+              <a:buSzTx/>
+              <a:buFontTx/>
+              <a:buAutoNum type="arabicPeriod" startAt="3"/>
+              <a:tabLst/>
+            </a:pPr>
+            <a:r>
+              <a:rPr kumimoji="0" lang="zh-CN" altLang="zh-CN" sz="1200" b="1" i="0" u="none" strike="noStrike" cap="none" normalizeH="0" baseline="0" dirty="0">
+                <a:ln>
+                  <a:noFill/>
+                </a:ln>
+                <a:solidFill>
+                  <a:schemeClr val="tx1"/>
+                </a:solidFill>
+                <a:effectLst/>
+                <a:latin typeface="楷体" panose="02010609060101010101" pitchFamily="49" charset="-122"/>
+                <a:ea typeface="楷体" panose="02010609060101010101" pitchFamily="49" charset="-122"/>
+              </a:rPr>
+              <a:t>找到关键点（Pivot点）</a:t>
+            </a:r>
+            <a:r>
+              <a:rPr kumimoji="0" lang="zh-CN" altLang="zh-CN" sz="1200" b="0" i="0" u="none" strike="noStrike" cap="none" normalizeH="0" baseline="0" dirty="0">
+                <a:ln>
+                  <a:noFill/>
+                </a:ln>
+                <a:solidFill>
+                  <a:schemeClr val="tx1"/>
+                </a:solidFill>
+                <a:effectLst/>
+                <a:latin typeface="楷体" panose="02010609060101010101" pitchFamily="49" charset="-122"/>
+                <a:ea typeface="楷体" panose="02010609060101010101" pitchFamily="49" charset="-122"/>
+              </a:rPr>
+              <a:t>：</a:t>
+            </a:r>
+          </a:p>
+          <a:p>
+            <a:pPr marL="457200" marR="0" lvl="1" indent="0" algn="l" defTabSz="914400" rtl="0" eaLnBrk="0" fontAlgn="base" latinLnBrk="0" hangingPunct="0">
+              <a:lnSpc>
+                <a:spcPct val="100000"/>
+              </a:lnSpc>
+              <a:spcBef>
+                <a:spcPct val="0"/>
+              </a:spcBef>
+              <a:spcAft>
+                <a:spcPct val="0"/>
+              </a:spcAft>
+              <a:buClrTx/>
+              <a:buSzTx/>
+              <a:buFontTx/>
+              <a:buChar char="•"/>
+              <a:tabLst/>
+            </a:pPr>
+            <a:r>
+              <a:rPr kumimoji="0" lang="zh-CN" altLang="zh-CN" sz="1200" b="0" i="0" u="none" strike="noStrike" cap="none" normalizeH="0" baseline="0" dirty="0">
+                <a:ln>
+                  <a:noFill/>
+                </a:ln>
+                <a:solidFill>
+                  <a:schemeClr val="tx1"/>
+                </a:solidFill>
+                <a:effectLst/>
+                <a:latin typeface="楷体" panose="02010609060101010101" pitchFamily="49" charset="-122"/>
+                <a:ea typeface="楷体" panose="02010609060101010101" pitchFamily="49" charset="-122"/>
+              </a:rPr>
+              <a:t>上轨关键点：找到价格在趋势线上方偏差最大的点。</a:t>
+            </a:r>
+          </a:p>
+          <a:p>
+            <a:pPr marL="457200" marR="0" lvl="1" indent="0" algn="l" defTabSz="914400" rtl="0" eaLnBrk="0" fontAlgn="base" latinLnBrk="0" hangingPunct="0">
+              <a:lnSpc>
+                <a:spcPct val="100000"/>
+              </a:lnSpc>
+              <a:spcBef>
+                <a:spcPct val="0"/>
+              </a:spcBef>
+              <a:spcAft>
+                <a:spcPct val="0"/>
+              </a:spcAft>
+              <a:buClrTx/>
+              <a:buSzTx/>
+              <a:buFontTx/>
+              <a:buChar char="•"/>
+              <a:tabLst/>
+            </a:pPr>
+            <a:r>
+              <a:rPr kumimoji="0" lang="zh-CN" altLang="zh-CN" sz="1200" b="0" i="0" u="none" strike="noStrike" cap="none" normalizeH="0" baseline="0" dirty="0">
+                <a:ln>
+                  <a:noFill/>
+                </a:ln>
+                <a:solidFill>
+                  <a:schemeClr val="tx1"/>
+                </a:solidFill>
+                <a:effectLst/>
+                <a:latin typeface="楷体" panose="02010609060101010101" pitchFamily="49" charset="-122"/>
+                <a:ea typeface="楷体" panose="02010609060101010101" pitchFamily="49" charset="-122"/>
+              </a:rPr>
+              <a:t>下轨关键点：找到价格在趋势线下方偏差最大的点。</a:t>
+            </a:r>
+          </a:p>
+          <a:p>
+            <a:pPr marL="0" marR="0" lvl="0" indent="0" algn="l" defTabSz="914400" rtl="0" eaLnBrk="0" fontAlgn="base" latinLnBrk="0" hangingPunct="0">
+              <a:lnSpc>
+                <a:spcPct val="100000"/>
+              </a:lnSpc>
+              <a:spcBef>
+                <a:spcPct val="0"/>
+              </a:spcBef>
+              <a:spcAft>
+                <a:spcPct val="0"/>
+              </a:spcAft>
+              <a:buClrTx/>
+              <a:buSzTx/>
+              <a:buFontTx/>
+              <a:buAutoNum type="arabicPeriod" startAt="4"/>
+              <a:tabLst/>
+            </a:pPr>
+            <a:r>
+              <a:rPr kumimoji="0" lang="zh-CN" altLang="zh-CN" sz="1200" b="0" i="0" u="none" strike="noStrike" cap="none" normalizeH="0" baseline="0" dirty="0">
+                <a:ln>
+                  <a:noFill/>
+                </a:ln>
+                <a:solidFill>
+                  <a:schemeClr val="tx1"/>
+                </a:solidFill>
+                <a:effectLst/>
+                <a:latin typeface="楷体" panose="02010609060101010101" pitchFamily="49" charset="-122"/>
+                <a:ea typeface="楷体" panose="02010609060101010101" pitchFamily="49" charset="-122"/>
+              </a:rPr>
+              <a:t>将关键点与初始趋势线的斜率传入下一步。</a:t>
+            </a:r>
+            <a:endParaRPr kumimoji="0" lang="en-US" altLang="zh-CN" sz="1200" b="0" i="0" u="none" strike="noStrike" cap="none" normalizeH="0" baseline="0" dirty="0">
+              <a:ln>
+                <a:noFill/>
+              </a:ln>
+              <a:solidFill>
+                <a:schemeClr val="tx1"/>
+              </a:solidFill>
+              <a:effectLst/>
+              <a:latin typeface="楷体" panose="02010609060101010101" pitchFamily="49" charset="-122"/>
+              <a:ea typeface="楷体" panose="02010609060101010101" pitchFamily="49" charset="-122"/>
+            </a:endParaRPr>
+          </a:p>
+          <a:p>
+            <a:pPr marL="0" marR="0" lvl="0" indent="0" algn="l" defTabSz="914400" rtl="0" eaLnBrk="0" fontAlgn="base" latinLnBrk="0" hangingPunct="0">
+              <a:lnSpc>
+                <a:spcPct val="100000"/>
+              </a:lnSpc>
+              <a:spcBef>
+                <a:spcPct val="0"/>
+              </a:spcBef>
+              <a:spcAft>
+                <a:spcPct val="0"/>
+              </a:spcAft>
+              <a:buClrTx/>
+              <a:buSzTx/>
+              <a:buFontTx/>
+              <a:buAutoNum type="arabicPeriod" startAt="4"/>
+              <a:tabLst/>
+            </a:pPr>
+            <a:endParaRPr lang="en-US" altLang="zh-CN" sz="1200" dirty="0">
+              <a:latin typeface="楷体" panose="02010609060101010101" pitchFamily="49" charset="-122"/>
+              <a:ea typeface="楷体" panose="02010609060101010101" pitchFamily="49" charset="-122"/>
+            </a:endParaRPr>
+          </a:p>
+          <a:p>
+            <a:pPr marL="0" marR="0" lvl="0" indent="0" algn="l" defTabSz="914400" rtl="0" eaLnBrk="0" fontAlgn="base" latinLnBrk="0" hangingPunct="0">
+              <a:lnSpc>
+                <a:spcPct val="100000"/>
+              </a:lnSpc>
+              <a:spcBef>
+                <a:spcPct val="0"/>
+              </a:spcBef>
+              <a:spcAft>
+                <a:spcPct val="0"/>
+              </a:spcAft>
+              <a:buClrTx/>
+              <a:buSzTx/>
+              <a:tabLst/>
+            </a:pPr>
+            <a:endParaRPr kumimoji="0" lang="zh-CN" altLang="zh-CN" sz="1200" b="0" i="0" u="none" strike="noStrike" cap="none" normalizeH="0" baseline="0" dirty="0">
+              <a:ln>
+                <a:noFill/>
+              </a:ln>
+              <a:solidFill>
+                <a:schemeClr val="tx1"/>
+              </a:solidFill>
+              <a:effectLst/>
+              <a:latin typeface="楷体" panose="02010609060101010101" pitchFamily="49" charset="-122"/>
+              <a:ea typeface="楷体" panose="02010609060101010101" pitchFamily="49" charset="-122"/>
+            </a:endParaRPr>
+          </a:p>
+          <a:p>
+            <a:pPr marL="0" marR="0" lvl="0" indent="0" algn="l" defTabSz="914400" rtl="0" eaLnBrk="0" fontAlgn="base" latinLnBrk="0" hangingPunct="0">
+              <a:lnSpc>
+                <a:spcPct val="100000"/>
+              </a:lnSpc>
+              <a:spcBef>
+                <a:spcPct val="0"/>
+              </a:spcBef>
+              <a:spcAft>
+                <a:spcPct val="0"/>
+              </a:spcAft>
+              <a:buClrTx/>
+              <a:buSzTx/>
+              <a:buFontTx/>
+              <a:buNone/>
+              <a:tabLst/>
+            </a:pPr>
+            <a:endParaRPr kumimoji="0" lang="zh-CN" altLang="zh-CN" sz="1200" b="0" i="0" u="none" strike="noStrike" cap="none" normalizeH="0" baseline="0" dirty="0">
+              <a:ln>
+                <a:noFill/>
+              </a:ln>
+              <a:solidFill>
+                <a:schemeClr val="tx1"/>
+              </a:solidFill>
+              <a:effectLst/>
+              <a:latin typeface="楷体" panose="02010609060101010101" pitchFamily="49" charset="-122"/>
+              <a:ea typeface="楷体" panose="02010609060101010101" pitchFamily="49" charset="-122"/>
+            </a:endParaRPr>
+          </a:p>
+        </p:txBody>
+      </p:sp>
+      <p:pic>
+        <p:nvPicPr>
+          <p:cNvPr id="14" name="图片 13">
+            <a:extLst>
+              <a:ext uri="{FF2B5EF4-FFF2-40B4-BE49-F238E27FC236}">
+                <a16:creationId xmlns:a16="http://schemas.microsoft.com/office/drawing/2014/main" id="{789A019A-340D-9E96-023A-10DA2F938854}"/>
+              </a:ext>
+            </a:extLst>
+          </p:cNvPr>
+          <p:cNvPicPr>
+            <a:picLocks noChangeAspect="1"/>
+          </p:cNvPicPr>
+          <p:nvPr/>
+        </p:nvPicPr>
+        <p:blipFill>
+          <a:blip r:embed="rId2"/>
+          <a:stretch>
+            <a:fillRect/>
+          </a:stretch>
+        </p:blipFill>
+        <p:spPr>
+          <a:xfrm>
+            <a:off x="5372260" y="1881562"/>
+            <a:ext cx="4508732" cy="3251367"/>
+          </a:xfrm>
+          <a:prstGeom prst="rect">
+            <a:avLst/>
+          </a:prstGeom>
+        </p:spPr>
+      </p:pic>
+      <p:pic>
+        <p:nvPicPr>
+          <p:cNvPr id="16" name="图片 15">
+            <a:extLst>
+              <a:ext uri="{FF2B5EF4-FFF2-40B4-BE49-F238E27FC236}">
+                <a16:creationId xmlns:a16="http://schemas.microsoft.com/office/drawing/2014/main" id="{A0BA8EE9-17C2-6F67-F250-18E55E66399F}"/>
+              </a:ext>
+            </a:extLst>
+          </p:cNvPr>
+          <p:cNvPicPr>
+            <a:picLocks noChangeAspect="1"/>
+          </p:cNvPicPr>
+          <p:nvPr/>
+        </p:nvPicPr>
+        <p:blipFill>
+          <a:blip r:embed="rId3"/>
+          <a:stretch>
+            <a:fillRect/>
+          </a:stretch>
+        </p:blipFill>
+        <p:spPr>
+          <a:xfrm>
+            <a:off x="5372260" y="5044896"/>
+            <a:ext cx="4781796" cy="1784442"/>
+          </a:xfrm>
+          <a:prstGeom prst="rect">
+            <a:avLst/>
+          </a:prstGeom>
+        </p:spPr>
+      </p:pic>
+    </p:spTree>
+    <p:extLst>
+      <p:ext uri="{BB962C8B-B14F-4D97-AF65-F5344CB8AC3E}">
+        <p14:creationId xmlns:p14="http://schemas.microsoft.com/office/powerpoint/2010/main" val="3193979550"/>
+      </p:ext>
+    </p:extLst>
+  </p:cSld>
+  <p:clrMapOvr>
+    <a:masterClrMapping/>
+  </p:clrMapOvr>
+</p:sld>
+</file>
+
+<file path=ppt/slides/slide27.xml><?xml version="1.0" encoding="utf-8"?>
+<p:sld xmlns:a="http://schemas.openxmlformats.org/drawingml/2006/main" xmlns:r="http://schemas.openxmlformats.org/officeDocument/2006/relationships" xmlns:p="http://schemas.openxmlformats.org/presentationml/2006/main">
+  <p:cSld>
+    <p:spTree>
+      <p:nvGrpSpPr>
         <p:cNvPr id="1" name="">
           <a:extLst>
             <a:ext uri="{FF2B5EF4-FFF2-40B4-BE49-F238E27FC236}">
@@ -13246,7 +14421,7 @@
 </p:sld>
 </file>
 
-<file path=ppt/slides/slide25.xml><?xml version="1.0" encoding="utf-8"?>
+<file path=ppt/slides/slide28.xml><?xml version="1.0" encoding="utf-8"?>
 <p:sld xmlns:a="http://schemas.openxmlformats.org/drawingml/2006/main" xmlns:r="http://schemas.openxmlformats.org/officeDocument/2006/relationships" xmlns:p="http://schemas.openxmlformats.org/presentationml/2006/main">
   <p:cSld>
     <p:spTree>
@@ -15101,7 +16276,7 @@
 </p:sld>
 </file>
 
-<file path=ppt/slides/slide26.xml><?xml version="1.0" encoding="utf-8"?>
+<file path=ppt/slides/slide29.xml><?xml version="1.0" encoding="utf-8"?>
 <p:sld xmlns:a="http://schemas.openxmlformats.org/drawingml/2006/main" xmlns:r="http://schemas.openxmlformats.org/officeDocument/2006/relationships" xmlns:p="http://schemas.openxmlformats.org/presentationml/2006/main">
   <p:cSld>
     <p:spTree>
@@ -16546,982 +17721,6 @@
 </p:sld>
 </file>
 
-<file path=ppt/slides/slide27.xml><?xml version="1.0" encoding="utf-8"?>
-<p:sld xmlns:a="http://schemas.openxmlformats.org/drawingml/2006/main" xmlns:r="http://schemas.openxmlformats.org/officeDocument/2006/relationships" xmlns:p="http://schemas.openxmlformats.org/presentationml/2006/main">
-  <p:cSld>
-    <p:spTree>
-      <p:nvGrpSpPr>
-        <p:cNvPr id="1" name="">
-          <a:extLst>
-            <a:ext uri="{FF2B5EF4-FFF2-40B4-BE49-F238E27FC236}">
-              <a16:creationId xmlns:a16="http://schemas.microsoft.com/office/drawing/2014/main" id="{003BF3FC-4CF4-6885-CF2A-F754857C95EF}"/>
-            </a:ext>
-          </a:extLst>
-        </p:cNvPr>
-        <p:cNvGrpSpPr/>
-        <p:nvPr/>
-      </p:nvGrpSpPr>
-      <p:grpSpPr>
-        <a:xfrm>
-          <a:off x="0" y="0"/>
-          <a:ext cx="0" cy="0"/>
-          <a:chOff x="0" y="0"/>
-          <a:chExt cx="0" cy="0"/>
-        </a:xfrm>
-      </p:grpSpPr>
-      <p:grpSp>
-        <p:nvGrpSpPr>
-          <p:cNvPr id="2" name="组合 1">
-            <a:extLst>
-              <a:ext uri="{FF2B5EF4-FFF2-40B4-BE49-F238E27FC236}">
-                <a16:creationId xmlns:a16="http://schemas.microsoft.com/office/drawing/2014/main" id="{44D32ABF-A8ED-8475-52A6-76C3B6EA793C}"/>
-              </a:ext>
-            </a:extLst>
-          </p:cNvPr>
-          <p:cNvGrpSpPr/>
-          <p:nvPr/>
-        </p:nvGrpSpPr>
-        <p:grpSpPr>
-          <a:xfrm>
-            <a:off x="294231" y="1519767"/>
-            <a:ext cx="11504290" cy="316416"/>
-            <a:chOff x="2512891" y="3323394"/>
-            <a:chExt cx="11504290" cy="316416"/>
-          </a:xfrm>
-        </p:grpSpPr>
-        <p:sp>
-          <p:nvSpPr>
-            <p:cNvPr id="4" name="Bullet1">
-              <a:extLst>
-                <a:ext uri="{FF2B5EF4-FFF2-40B4-BE49-F238E27FC236}">
-                  <a16:creationId xmlns:a16="http://schemas.microsoft.com/office/drawing/2014/main" id="{CF9A403F-59D7-E18C-73FD-D98A2800D56F}"/>
-                </a:ext>
-              </a:extLst>
-            </p:cNvPr>
-            <p:cNvSpPr txBox="1">
-              <a:spLocks/>
-            </p:cNvSpPr>
-            <p:nvPr/>
-          </p:nvSpPr>
-          <p:spPr>
-            <a:xfrm flipH="1">
-              <a:off x="2577101" y="3323394"/>
-              <a:ext cx="11440080" cy="316416"/>
-            </a:xfrm>
-            <a:prstGeom prst="rect">
-              <a:avLst/>
-            </a:prstGeom>
-            <a:noFill/>
-          </p:spPr>
-          <p:txBody>
-            <a:bodyPr wrap="square" rtlCol="0" anchor="b" anchorCtr="0">
-              <a:normAutofit fontScale="85000" lnSpcReduction="10000"/>
-            </a:bodyPr>
-            <a:lstStyle/>
-            <a:p>
-              <a:pPr>
-                <a:lnSpc>
-                  <a:spcPct val="120000"/>
-                </a:lnSpc>
-              </a:pPr>
-              <a:r>
-                <a:rPr lang="zh-CN" altLang="en-US" b="1" dirty="0">
-                  <a:latin typeface="楷体" panose="02010609060101010101" pitchFamily="49" charset="-122"/>
-                  <a:ea typeface="楷体" panose="02010609060101010101" pitchFamily="49" charset="-122"/>
-                </a:rPr>
-                <a:t>摘要（</a:t>
-              </a:r>
-              <a:r>
-                <a:rPr lang="en-US" altLang="zh-CN" b="1" dirty="0">
-                  <a:latin typeface="楷体" panose="02010609060101010101" pitchFamily="49" charset="-122"/>
-                  <a:ea typeface="楷体" panose="02010609060101010101" pitchFamily="49" charset="-122"/>
-                </a:rPr>
-                <a:t>Abstract</a:t>
-              </a:r>
-              <a:r>
-                <a:rPr lang="zh-CN" altLang="en-US" b="1" dirty="0">
-                  <a:latin typeface="楷体" panose="02010609060101010101" pitchFamily="49" charset="-122"/>
-                  <a:ea typeface="楷体" panose="02010609060101010101" pitchFamily="49" charset="-122"/>
-                </a:rPr>
-                <a:t>）</a:t>
-              </a:r>
-              <a:endParaRPr lang="en-US" altLang="zh-CN" b="1" dirty="0">
-                <a:latin typeface="楷体" panose="02010609060101010101" pitchFamily="49" charset="-122"/>
-                <a:ea typeface="楷体" panose="02010609060101010101" pitchFamily="49" charset="-122"/>
-              </a:endParaRPr>
-            </a:p>
-          </p:txBody>
-        </p:sp>
-        <p:sp>
-          <p:nvSpPr>
-            <p:cNvPr id="5" name="Shape1">
-              <a:extLst>
-                <a:ext uri="{FF2B5EF4-FFF2-40B4-BE49-F238E27FC236}">
-                  <a16:creationId xmlns:a16="http://schemas.microsoft.com/office/drawing/2014/main" id="{40D372DB-B552-313C-39EB-8A65D6B5AAAF}"/>
-                </a:ext>
-              </a:extLst>
-            </p:cNvPr>
-            <p:cNvSpPr/>
-            <p:nvPr/>
-          </p:nvSpPr>
-          <p:spPr>
-            <a:xfrm>
-              <a:off x="2512891" y="3364871"/>
-              <a:ext cx="64212" cy="233462"/>
-            </a:xfrm>
-            <a:prstGeom prst="rect">
-              <a:avLst/>
-            </a:prstGeom>
-            <a:ln>
-              <a:noFill/>
-            </a:ln>
-          </p:spPr>
-          <p:style>
-            <a:lnRef idx="2">
-              <a:schemeClr val="accent1">
-                <a:shade val="15000"/>
-              </a:schemeClr>
-            </a:lnRef>
-            <a:fillRef idx="1">
-              <a:schemeClr val="accent1"/>
-            </a:fillRef>
-            <a:effectRef idx="0">
-              <a:schemeClr val="accent1"/>
-            </a:effectRef>
-            <a:fontRef idx="minor">
-              <a:schemeClr val="lt1"/>
-            </a:fontRef>
-          </p:style>
-          <p:txBody>
-            <a:bodyPr rtlCol="0" anchor="ctr"/>
-            <a:lstStyle/>
-            <a:p>
-              <a:pPr algn="ctr"/>
-              <a:endParaRPr lang="zh-CN" altLang="en-US"/>
-            </a:p>
-          </p:txBody>
-        </p:sp>
-      </p:grpSp>
-      <p:sp>
-        <p:nvSpPr>
-          <p:cNvPr id="6" name="标题 1">
-            <a:extLst>
-              <a:ext uri="{FF2B5EF4-FFF2-40B4-BE49-F238E27FC236}">
-                <a16:creationId xmlns:a16="http://schemas.microsoft.com/office/drawing/2014/main" id="{A19CD81B-4ADE-CA93-5495-17C2E50B1B6F}"/>
-              </a:ext>
-            </a:extLst>
-          </p:cNvPr>
-          <p:cNvSpPr txBox="1">
-            <a:spLocks/>
-          </p:cNvSpPr>
-          <p:nvPr/>
-        </p:nvSpPr>
-        <p:spPr>
-          <a:xfrm>
-            <a:off x="134679" y="75867"/>
-            <a:ext cx="11922642" cy="764583"/>
-          </a:xfrm>
-          <a:prstGeom prst="rect">
-            <a:avLst/>
-          </a:prstGeom>
-        </p:spPr>
-        <p:txBody>
-          <a:bodyPr vert="horz" lIns="91440" tIns="45720" rIns="91440" bIns="45720" rtlCol="0" anchor="ctr">
-            <a:normAutofit/>
-          </a:bodyPr>
-          <a:lstStyle>
-            <a:lvl1pPr algn="l" defTabSz="914400" rtl="0" eaLnBrk="1" latinLnBrk="0" hangingPunct="1">
-              <a:lnSpc>
-                <a:spcPct val="90000"/>
-              </a:lnSpc>
-              <a:spcBef>
-                <a:spcPct val="0"/>
-              </a:spcBef>
-              <a:buNone/>
-              <a:defRPr sz="4400" kern="1200">
-                <a:solidFill>
-                  <a:schemeClr val="tx1"/>
-                </a:solidFill>
-                <a:latin typeface="+mj-lt"/>
-                <a:ea typeface="+mj-ea"/>
-                <a:cs typeface="+mj-cs"/>
-              </a:defRPr>
-            </a:lvl1pPr>
-          </a:lstStyle>
-          <a:p>
-            <a:r>
-              <a:rPr lang="en-US" altLang="zh-CN" sz="2800" b="1" dirty="0">
-                <a:latin typeface="微软雅黑" panose="020B0503020204020204" pitchFamily="34" charset="-122"/>
-                <a:ea typeface="微软雅黑" panose="020B0503020204020204" pitchFamily="34" charset="-122"/>
-              </a:rPr>
-              <a:t>(Re-)</a:t>
-            </a:r>
-            <a:r>
-              <a:rPr lang="en-US" altLang="zh-CN" sz="2800" b="1" dirty="0" err="1">
-                <a:latin typeface="微软雅黑" panose="020B0503020204020204" pitchFamily="34" charset="-122"/>
-                <a:ea typeface="微软雅黑" panose="020B0503020204020204" pitchFamily="34" charset="-122"/>
-              </a:rPr>
-              <a:t>Imag</a:t>
-            </a:r>
-            <a:r>
-              <a:rPr lang="en-US" altLang="zh-CN" sz="2800" b="1" dirty="0">
-                <a:latin typeface="微软雅黑" panose="020B0503020204020204" pitchFamily="34" charset="-122"/>
-                <a:ea typeface="微软雅黑" panose="020B0503020204020204" pitchFamily="34" charset="-122"/>
-              </a:rPr>
-              <a:t>(in)</a:t>
-            </a:r>
-            <a:r>
-              <a:rPr lang="en-US" altLang="zh-CN" sz="2800" b="1" dirty="0" err="1">
-                <a:latin typeface="微软雅黑" panose="020B0503020204020204" pitchFamily="34" charset="-122"/>
-                <a:ea typeface="微软雅黑" panose="020B0503020204020204" pitchFamily="34" charset="-122"/>
-              </a:rPr>
-              <a:t>ing</a:t>
-            </a:r>
-            <a:r>
-              <a:rPr lang="en-US" altLang="zh-CN" sz="2800" b="1" dirty="0">
-                <a:latin typeface="微软雅黑" panose="020B0503020204020204" pitchFamily="34" charset="-122"/>
-                <a:ea typeface="微软雅黑" panose="020B0503020204020204" pitchFamily="34" charset="-122"/>
-              </a:rPr>
-              <a:t> Price Trends</a:t>
-            </a:r>
-            <a:endParaRPr lang="zh-CN" altLang="en-US" sz="2800" b="1" dirty="0">
-              <a:latin typeface="微软雅黑" panose="020B0503020204020204" pitchFamily="34" charset="-122"/>
-              <a:ea typeface="微软雅黑" panose="020B0503020204020204" pitchFamily="34" charset="-122"/>
-            </a:endParaRPr>
-          </a:p>
-        </p:txBody>
-      </p:sp>
-      <p:sp>
-        <p:nvSpPr>
-          <p:cNvPr id="9" name="Text1">
-            <a:extLst>
-              <a:ext uri="{FF2B5EF4-FFF2-40B4-BE49-F238E27FC236}">
-                <a16:creationId xmlns:a16="http://schemas.microsoft.com/office/drawing/2014/main" id="{64A01B2B-DE0B-26D8-C15E-449562AB136B}"/>
-              </a:ext>
-            </a:extLst>
-          </p:cNvPr>
-          <p:cNvSpPr txBox="1">
-            <a:spLocks/>
-          </p:cNvSpPr>
-          <p:nvPr/>
-        </p:nvSpPr>
-        <p:spPr>
-          <a:xfrm flipH="1">
-            <a:off x="358449" y="1877660"/>
-            <a:ext cx="11440082" cy="1193083"/>
-          </a:xfrm>
-          <a:prstGeom prst="rect">
-            <a:avLst/>
-          </a:prstGeom>
-          <a:noFill/>
-        </p:spPr>
-        <p:txBody>
-          <a:bodyPr wrap="square" lIns="91440" tIns="45720" rIns="91440" bIns="45720" anchor="t">
-            <a:noAutofit/>
-          </a:bodyPr>
-          <a:lstStyle/>
-          <a:p>
-            <a:pPr marR="0" lvl="0" algn="just" defTabSz="914400" rtl="0" eaLnBrk="1" fontAlgn="auto" latinLnBrk="0" hangingPunct="1">
-              <a:lnSpc>
-                <a:spcPct val="120000"/>
-              </a:lnSpc>
-              <a:spcBef>
-                <a:spcPts val="0"/>
-              </a:spcBef>
-              <a:spcAft>
-                <a:spcPts val="0"/>
-              </a:spcAft>
-              <a:buClrTx/>
-              <a:buSzTx/>
-              <a:tabLst/>
-              <a:defRPr/>
-            </a:pPr>
-            <a:r>
-              <a:rPr lang="zh-CN" altLang="en-US" sz="1400" dirty="0">
-                <a:latin typeface="楷体" panose="02010609060101010101" pitchFamily="49" charset="-122"/>
-                <a:ea typeface="楷体" panose="02010609060101010101" pitchFamily="49" charset="-122"/>
-                <a:cs typeface="+mn-ea"/>
-                <a:sym typeface="+mn-lt"/>
-              </a:rPr>
-              <a:t>原始预测数据是图像</a:t>
-            </a:r>
-            <a:r>
-              <a:rPr lang="en-US" altLang="zh-CN" sz="1400" dirty="0">
-                <a:latin typeface="楷体" panose="02010609060101010101" pitchFamily="49" charset="-122"/>
-                <a:ea typeface="楷体" panose="02010609060101010101" pitchFamily="49" charset="-122"/>
-                <a:cs typeface="+mn-ea"/>
-                <a:sym typeface="+mn-lt"/>
-              </a:rPr>
-              <a:t>——</a:t>
-            </a:r>
-            <a:r>
-              <a:rPr lang="zh-CN" altLang="en-US" sz="1400" dirty="0">
-                <a:latin typeface="楷体" panose="02010609060101010101" pitchFamily="49" charset="-122"/>
-                <a:ea typeface="楷体" panose="02010609060101010101" pitchFamily="49" charset="-122"/>
-                <a:cs typeface="+mn-ea"/>
-                <a:sym typeface="+mn-lt"/>
-              </a:rPr>
-              <a:t>即股票级别的价格图表，使用卷积神经网络（</a:t>
-            </a:r>
-            <a:r>
-              <a:rPr lang="en-US" altLang="zh-CN" sz="1400" dirty="0">
-                <a:latin typeface="楷体" panose="02010609060101010101" pitchFamily="49" charset="-122"/>
-                <a:ea typeface="楷体" panose="02010609060101010101" pitchFamily="49" charset="-122"/>
-                <a:cs typeface="+mn-ea"/>
-                <a:sym typeface="+mn-lt"/>
-              </a:rPr>
-              <a:t>CNN</a:t>
-            </a:r>
-            <a:r>
-              <a:rPr lang="zh-CN" altLang="en-US" sz="1400" dirty="0">
-                <a:latin typeface="楷体" panose="02010609060101010101" pitchFamily="49" charset="-122"/>
-                <a:ea typeface="楷体" panose="02010609060101010101" pitchFamily="49" charset="-122"/>
-                <a:cs typeface="+mn-ea"/>
-                <a:sym typeface="+mn-lt"/>
-              </a:rPr>
-              <a:t>）的图像分析方法从中提取最佳预测未来收益的价格模式。别出的预测模式在很大程度上与文献中常见的趋势信号不同，并且能提供更准确的收益预测，转化为更有利可图的投资策略，并对一系列规范变体保持稳健性。此外，这些模式似乎不受具体市场环境的限制：在短期时间尺度（如每日数据）上估计的预测模式，在长期时间尺度（如每月数据）上同样表现良好；而从美国股票中学习到的模式，在国际市场上同样适用。</a:t>
-            </a:r>
-            <a:endParaRPr lang="en-US" altLang="zh-CN" sz="1400" dirty="0">
-              <a:latin typeface="楷体" panose="02010609060101010101" pitchFamily="49" charset="-122"/>
-              <a:ea typeface="楷体" panose="02010609060101010101" pitchFamily="49" charset="-122"/>
-              <a:cs typeface="+mn-ea"/>
-              <a:sym typeface="+mn-lt"/>
-            </a:endParaRPr>
-          </a:p>
-        </p:txBody>
-      </p:sp>
-      <p:sp>
-        <p:nvSpPr>
-          <p:cNvPr id="3" name="Text1">
-            <a:extLst>
-              <a:ext uri="{FF2B5EF4-FFF2-40B4-BE49-F238E27FC236}">
-                <a16:creationId xmlns:a16="http://schemas.microsoft.com/office/drawing/2014/main" id="{874D6C20-F15B-F5AC-8FB0-8BEDEAED44CC}"/>
-              </a:ext>
-            </a:extLst>
-          </p:cNvPr>
-          <p:cNvSpPr txBox="1">
-            <a:spLocks/>
-          </p:cNvSpPr>
-          <p:nvPr/>
-        </p:nvSpPr>
-        <p:spPr>
-          <a:xfrm flipH="1">
-            <a:off x="198961" y="965446"/>
-            <a:ext cx="11440082" cy="561682"/>
-          </a:xfrm>
-          <a:prstGeom prst="rect">
-            <a:avLst/>
-          </a:prstGeom>
-          <a:noFill/>
-        </p:spPr>
-        <p:txBody>
-          <a:bodyPr wrap="square" lIns="91440" tIns="45720" rIns="91440" bIns="45720" anchor="t">
-            <a:noAutofit/>
-          </a:bodyPr>
-          <a:lstStyle/>
-          <a:p>
-            <a:pPr marL="0" marR="0" lvl="0" indent="0" defTabSz="914400" rtl="0" eaLnBrk="1" fontAlgn="auto" latinLnBrk="0" hangingPunct="1">
-              <a:lnSpc>
-                <a:spcPct val="120000"/>
-              </a:lnSpc>
-              <a:spcBef>
-                <a:spcPts val="0"/>
-              </a:spcBef>
-              <a:spcAft>
-                <a:spcPts val="0"/>
-              </a:spcAft>
-              <a:buClrTx/>
-              <a:buSzTx/>
-              <a:buFontTx/>
-              <a:buNone/>
-              <a:tabLst/>
-              <a:defRPr/>
-            </a:pPr>
-            <a:r>
-              <a:rPr lang="zh-CN" altLang="en-US" sz="1400" b="1" dirty="0">
-                <a:latin typeface="楷体" panose="02010609060101010101" pitchFamily="49" charset="-122"/>
-                <a:ea typeface="楷体" panose="02010609060101010101" pitchFamily="49" charset="-122"/>
-                <a:cs typeface="+mn-ea"/>
-                <a:sym typeface="+mn-lt"/>
-              </a:rPr>
-              <a:t>作者：</a:t>
-            </a:r>
-            <a:r>
-              <a:rPr lang="en-US" altLang="zh-CN" sz="1400" b="1" dirty="0" err="1">
-                <a:latin typeface="楷体" panose="02010609060101010101" pitchFamily="49" charset="-122"/>
-                <a:ea typeface="楷体" panose="02010609060101010101" pitchFamily="49" charset="-122"/>
-                <a:cs typeface="+mn-ea"/>
-                <a:sym typeface="+mn-lt"/>
-              </a:rPr>
-              <a:t>Jingwen</a:t>
-            </a:r>
-            <a:r>
-              <a:rPr lang="en-US" altLang="zh-CN" sz="1400" b="1" dirty="0">
-                <a:latin typeface="楷体" panose="02010609060101010101" pitchFamily="49" charset="-122"/>
-                <a:ea typeface="楷体" panose="02010609060101010101" pitchFamily="49" charset="-122"/>
-                <a:cs typeface="+mn-ea"/>
-                <a:sym typeface="+mn-lt"/>
-              </a:rPr>
-              <a:t> Jiang - </a:t>
-            </a:r>
-            <a:r>
-              <a:rPr lang="zh-CN" altLang="en-US" sz="1400" b="1" dirty="0">
-                <a:latin typeface="楷体" panose="02010609060101010101" pitchFamily="49" charset="-122"/>
-                <a:ea typeface="楷体" panose="02010609060101010101" pitchFamily="49" charset="-122"/>
-                <a:cs typeface="+mn-ea"/>
-                <a:sym typeface="+mn-lt"/>
-              </a:rPr>
-              <a:t>芝加哥大学计算机科学系，</a:t>
-            </a:r>
-            <a:r>
-              <a:rPr lang="en-US" altLang="zh-CN" sz="1400" b="1" dirty="0">
-                <a:latin typeface="楷体" panose="02010609060101010101" pitchFamily="49" charset="-122"/>
-                <a:ea typeface="楷体" panose="02010609060101010101" pitchFamily="49" charset="-122"/>
-                <a:cs typeface="+mn-ea"/>
-                <a:sym typeface="+mn-lt"/>
-              </a:rPr>
-              <a:t>Bryan Kelly - </a:t>
-            </a:r>
-            <a:r>
-              <a:rPr lang="zh-CN" altLang="en-US" sz="1400" b="1" dirty="0">
-                <a:latin typeface="楷体" panose="02010609060101010101" pitchFamily="49" charset="-122"/>
-                <a:ea typeface="楷体" panose="02010609060101010101" pitchFamily="49" charset="-122"/>
-                <a:cs typeface="+mn-ea"/>
-                <a:sym typeface="+mn-lt"/>
-              </a:rPr>
-              <a:t>耶鲁大学（</a:t>
-            </a:r>
-            <a:r>
-              <a:rPr lang="en-US" altLang="zh-CN" sz="1400" b="1" dirty="0">
-                <a:latin typeface="楷体" panose="02010609060101010101" pitchFamily="49" charset="-122"/>
-                <a:ea typeface="楷体" panose="02010609060101010101" pitchFamily="49" charset="-122"/>
-                <a:cs typeface="+mn-ea"/>
-                <a:sym typeface="+mn-lt"/>
-              </a:rPr>
-              <a:t>Yale University</a:t>
-            </a:r>
-            <a:r>
-              <a:rPr lang="zh-CN" altLang="en-US" sz="1400" b="1" dirty="0">
-                <a:latin typeface="楷体" panose="02010609060101010101" pitchFamily="49" charset="-122"/>
-                <a:ea typeface="楷体" panose="02010609060101010101" pitchFamily="49" charset="-122"/>
-                <a:cs typeface="+mn-ea"/>
-                <a:sym typeface="+mn-lt"/>
-              </a:rPr>
-              <a:t>）、</a:t>
-            </a:r>
-            <a:r>
-              <a:rPr lang="en-US" altLang="zh-CN" sz="1400" b="1" dirty="0">
-                <a:latin typeface="楷体" panose="02010609060101010101" pitchFamily="49" charset="-122"/>
-                <a:ea typeface="楷体" panose="02010609060101010101" pitchFamily="49" charset="-122"/>
-                <a:cs typeface="+mn-ea"/>
-                <a:sym typeface="+mn-lt"/>
-              </a:rPr>
-              <a:t>AQR</a:t>
-            </a:r>
-            <a:r>
-              <a:rPr lang="zh-CN" altLang="en-US" sz="1400" b="1" dirty="0">
-                <a:latin typeface="楷体" panose="02010609060101010101" pitchFamily="49" charset="-122"/>
-                <a:ea typeface="楷体" panose="02010609060101010101" pitchFamily="49" charset="-122"/>
-                <a:cs typeface="+mn-ea"/>
-                <a:sym typeface="+mn-lt"/>
-              </a:rPr>
-              <a:t>资本管理公司（</a:t>
-            </a:r>
-            <a:r>
-              <a:rPr lang="en-US" altLang="zh-CN" sz="1400" b="1" dirty="0">
-                <a:latin typeface="楷体" panose="02010609060101010101" pitchFamily="49" charset="-122"/>
-                <a:ea typeface="楷体" panose="02010609060101010101" pitchFamily="49" charset="-122"/>
-                <a:cs typeface="+mn-ea"/>
-                <a:sym typeface="+mn-lt"/>
-              </a:rPr>
-              <a:t>AQR Capital Management</a:t>
-            </a:r>
-            <a:r>
-              <a:rPr lang="zh-CN" altLang="en-US" sz="1400" b="1" dirty="0">
-                <a:latin typeface="楷体" panose="02010609060101010101" pitchFamily="49" charset="-122"/>
-                <a:ea typeface="楷体" panose="02010609060101010101" pitchFamily="49" charset="-122"/>
-                <a:cs typeface="+mn-ea"/>
-                <a:sym typeface="+mn-lt"/>
-              </a:rPr>
-              <a:t>）、美国国家经济研究局（</a:t>
-            </a:r>
-            <a:r>
-              <a:rPr lang="en-US" altLang="zh-CN" sz="1400" b="1" dirty="0">
-                <a:latin typeface="楷体" panose="02010609060101010101" pitchFamily="49" charset="-122"/>
-                <a:ea typeface="楷体" panose="02010609060101010101" pitchFamily="49" charset="-122"/>
-                <a:cs typeface="+mn-ea"/>
-                <a:sym typeface="+mn-lt"/>
-              </a:rPr>
-              <a:t>NBER</a:t>
-            </a:r>
-            <a:r>
-              <a:rPr lang="zh-CN" altLang="en-US" sz="1400" b="1" dirty="0">
-                <a:latin typeface="楷体" panose="02010609060101010101" pitchFamily="49" charset="-122"/>
-                <a:ea typeface="楷体" panose="02010609060101010101" pitchFamily="49" charset="-122"/>
-                <a:cs typeface="+mn-ea"/>
-                <a:sym typeface="+mn-lt"/>
-              </a:rPr>
-              <a:t>）</a:t>
-            </a:r>
-            <a:endParaRPr lang="en-US" altLang="zh-CN" sz="1400" b="1" dirty="0">
-              <a:latin typeface="楷体" panose="02010609060101010101" pitchFamily="49" charset="-122"/>
-              <a:ea typeface="楷体" panose="02010609060101010101" pitchFamily="49" charset="-122"/>
-              <a:cs typeface="+mn-ea"/>
-              <a:sym typeface="+mn-lt"/>
-            </a:endParaRPr>
-          </a:p>
-          <a:p>
-            <a:pPr marL="0" marR="0" lvl="0" indent="0" defTabSz="914400" rtl="0" eaLnBrk="1" fontAlgn="auto" latinLnBrk="0" hangingPunct="1">
-              <a:lnSpc>
-                <a:spcPct val="120000"/>
-              </a:lnSpc>
-              <a:spcBef>
-                <a:spcPts val="0"/>
-              </a:spcBef>
-              <a:spcAft>
-                <a:spcPts val="0"/>
-              </a:spcAft>
-              <a:buClrTx/>
-              <a:buSzTx/>
-              <a:buFontTx/>
-              <a:buNone/>
-              <a:tabLst/>
-              <a:defRPr/>
-            </a:pPr>
-            <a:endParaRPr lang="en-US" altLang="zh-CN" sz="1400" i="0" dirty="0">
-              <a:effectLst/>
-              <a:latin typeface="楷体" panose="02010609060101010101" pitchFamily="49" charset="-122"/>
-              <a:ea typeface="楷体" panose="02010609060101010101" pitchFamily="49" charset="-122"/>
-              <a:cs typeface="+mn-ea"/>
-              <a:sym typeface="+mn-lt"/>
-            </a:endParaRPr>
-          </a:p>
-        </p:txBody>
-      </p:sp>
-      <p:pic>
-        <p:nvPicPr>
-          <p:cNvPr id="10" name="图片 9">
-            <a:extLst>
-              <a:ext uri="{FF2B5EF4-FFF2-40B4-BE49-F238E27FC236}">
-                <a16:creationId xmlns:a16="http://schemas.microsoft.com/office/drawing/2014/main" id="{8282F583-DF76-68DD-CF89-6FA9EA8AE592}"/>
-              </a:ext>
-            </a:extLst>
-          </p:cNvPr>
-          <p:cNvPicPr>
-            <a:picLocks noChangeAspect="1"/>
-          </p:cNvPicPr>
-          <p:nvPr/>
-        </p:nvPicPr>
-        <p:blipFill>
-          <a:blip r:embed="rId2"/>
-          <a:stretch>
-            <a:fillRect/>
-          </a:stretch>
-        </p:blipFill>
-        <p:spPr>
-          <a:xfrm>
-            <a:off x="358441" y="3207224"/>
-            <a:ext cx="5483123" cy="3552439"/>
-          </a:xfrm>
-          <a:prstGeom prst="rect">
-            <a:avLst/>
-          </a:prstGeom>
-        </p:spPr>
-      </p:pic>
-      <p:sp>
-        <p:nvSpPr>
-          <p:cNvPr id="12" name="Bullet1">
-            <a:extLst>
-              <a:ext uri="{FF2B5EF4-FFF2-40B4-BE49-F238E27FC236}">
-                <a16:creationId xmlns:a16="http://schemas.microsoft.com/office/drawing/2014/main" id="{F0B5FEBF-85F9-9803-36CE-CB4DC7906534}"/>
-              </a:ext>
-            </a:extLst>
-          </p:cNvPr>
-          <p:cNvSpPr>
-            <a:spLocks/>
-          </p:cNvSpPr>
-          <p:nvPr/>
-        </p:nvSpPr>
-        <p:spPr>
-          <a:xfrm>
-            <a:off x="1840201" y="2943838"/>
-            <a:ext cx="2561174" cy="375038"/>
-          </a:xfrm>
-          <a:prstGeom prst="rect">
-            <a:avLst/>
-          </a:prstGeom>
-          <a:noFill/>
-          <a:ln>
-            <a:noFill/>
-          </a:ln>
-        </p:spPr>
-        <p:style>
-          <a:lnRef idx="2">
-            <a:schemeClr val="accent1">
-              <a:shade val="50000"/>
-            </a:schemeClr>
-          </a:lnRef>
-          <a:fillRef idx="1">
-            <a:schemeClr val="accent1"/>
-          </a:fillRef>
-          <a:effectRef idx="0">
-            <a:schemeClr val="accent1"/>
-          </a:effectRef>
-          <a:fontRef idx="minor">
-            <a:schemeClr val="lt1"/>
-          </a:fontRef>
-        </p:style>
-        <p:txBody>
-          <a:bodyPr wrap="square" lIns="91440" tIns="45720" rIns="91440" bIns="45720" rtlCol="0" anchor="ctr" anchorCtr="0">
-            <a:normAutofit/>
-          </a:bodyPr>
-          <a:lstStyle>
-            <a:defPPr>
-              <a:defRPr lang="zh-CN"/>
-            </a:defPPr>
-            <a:lvl1pPr marL="0" algn="l" defTabSz="914400" rtl="0" eaLnBrk="1" latinLnBrk="0" hangingPunct="1">
-              <a:defRPr sz="1800" kern="1200">
-                <a:solidFill>
-                  <a:schemeClr val="lt1"/>
-                </a:solidFill>
-                <a:latin typeface="+mn-lt"/>
-                <a:ea typeface="+mn-ea"/>
-                <a:cs typeface="+mn-cs"/>
-              </a:defRPr>
-            </a:lvl1pPr>
-            <a:lvl2pPr marL="457200" algn="l" defTabSz="914400" rtl="0" eaLnBrk="1" latinLnBrk="0" hangingPunct="1">
-              <a:defRPr sz="1800" kern="1200">
-                <a:solidFill>
-                  <a:schemeClr val="lt1"/>
-                </a:solidFill>
-                <a:latin typeface="+mn-lt"/>
-                <a:ea typeface="+mn-ea"/>
-                <a:cs typeface="+mn-cs"/>
-              </a:defRPr>
-            </a:lvl2pPr>
-            <a:lvl3pPr marL="914400" algn="l" defTabSz="914400" rtl="0" eaLnBrk="1" latinLnBrk="0" hangingPunct="1">
-              <a:defRPr sz="1800" kern="1200">
-                <a:solidFill>
-                  <a:schemeClr val="lt1"/>
-                </a:solidFill>
-                <a:latin typeface="+mn-lt"/>
-                <a:ea typeface="+mn-ea"/>
-                <a:cs typeface="+mn-cs"/>
-              </a:defRPr>
-            </a:lvl3pPr>
-            <a:lvl4pPr marL="1371600" algn="l" defTabSz="914400" rtl="0" eaLnBrk="1" latinLnBrk="0" hangingPunct="1">
-              <a:defRPr sz="1800" kern="1200">
-                <a:solidFill>
-                  <a:schemeClr val="lt1"/>
-                </a:solidFill>
-                <a:latin typeface="+mn-lt"/>
-                <a:ea typeface="+mn-ea"/>
-                <a:cs typeface="+mn-cs"/>
-              </a:defRPr>
-            </a:lvl4pPr>
-            <a:lvl5pPr marL="1828800" algn="l" defTabSz="914400" rtl="0" eaLnBrk="1" latinLnBrk="0" hangingPunct="1">
-              <a:defRPr sz="1800" kern="1200">
-                <a:solidFill>
-                  <a:schemeClr val="lt1"/>
-                </a:solidFill>
-                <a:latin typeface="+mn-lt"/>
-                <a:ea typeface="+mn-ea"/>
-                <a:cs typeface="+mn-cs"/>
-              </a:defRPr>
-            </a:lvl5pPr>
-            <a:lvl6pPr marL="2286000" algn="l" defTabSz="914400" rtl="0" eaLnBrk="1" latinLnBrk="0" hangingPunct="1">
-              <a:defRPr sz="1800" kern="1200">
-                <a:solidFill>
-                  <a:schemeClr val="lt1"/>
-                </a:solidFill>
-                <a:latin typeface="+mn-lt"/>
-                <a:ea typeface="+mn-ea"/>
-                <a:cs typeface="+mn-cs"/>
-              </a:defRPr>
-            </a:lvl6pPr>
-            <a:lvl7pPr marL="2743200" algn="l" defTabSz="914400" rtl="0" eaLnBrk="1" latinLnBrk="0" hangingPunct="1">
-              <a:defRPr sz="1800" kern="1200">
-                <a:solidFill>
-                  <a:schemeClr val="lt1"/>
-                </a:solidFill>
-                <a:latin typeface="+mn-lt"/>
-                <a:ea typeface="+mn-ea"/>
-                <a:cs typeface="+mn-cs"/>
-              </a:defRPr>
-            </a:lvl7pPr>
-            <a:lvl8pPr marL="3200400" algn="l" defTabSz="914400" rtl="0" eaLnBrk="1" latinLnBrk="0" hangingPunct="1">
-              <a:defRPr sz="1800" kern="1200">
-                <a:solidFill>
-                  <a:schemeClr val="lt1"/>
-                </a:solidFill>
-                <a:latin typeface="+mn-lt"/>
-                <a:ea typeface="+mn-ea"/>
-                <a:cs typeface="+mn-cs"/>
-              </a:defRPr>
-            </a:lvl8pPr>
-            <a:lvl9pPr marL="3657600" algn="l" defTabSz="914400" rtl="0" eaLnBrk="1" latinLnBrk="0" hangingPunct="1">
-              <a:defRPr sz="1800" kern="1200">
-                <a:solidFill>
-                  <a:schemeClr val="lt1"/>
-                </a:solidFill>
-                <a:latin typeface="+mn-lt"/>
-                <a:ea typeface="+mn-ea"/>
-                <a:cs typeface="+mn-cs"/>
-              </a:defRPr>
-            </a:lvl9pPr>
-          </a:lstStyle>
-          <a:p>
-            <a:pPr algn="ctr">
-              <a:lnSpc>
-                <a:spcPct val="120000"/>
-              </a:lnSpc>
-            </a:pPr>
-            <a:r>
-              <a:rPr kumimoji="1" lang="en-US" altLang="zh-CN" sz="1400" b="1" dirty="0">
-                <a:solidFill>
-                  <a:srgbClr val="000000"/>
-                </a:solidFill>
-                <a:latin typeface="Arial" panose="020B0604020202020204" pitchFamily="34" charset="0"/>
-                <a:ea typeface="微软雅黑" panose="020B0503020204020204" pitchFamily="34" charset="-122"/>
-                <a:sym typeface="Arial" panose="020B0604020202020204" pitchFamily="34" charset="0"/>
-              </a:rPr>
-              <a:t>CNN</a:t>
-            </a:r>
-            <a:r>
-              <a:rPr kumimoji="1" lang="zh-CN" altLang="en-US" sz="1400" b="1" dirty="0">
-                <a:solidFill>
-                  <a:srgbClr val="000000"/>
-                </a:solidFill>
-                <a:latin typeface="Arial" panose="020B0604020202020204" pitchFamily="34" charset="0"/>
-                <a:ea typeface="微软雅黑" panose="020B0503020204020204" pitchFamily="34" charset="-122"/>
-                <a:sym typeface="Arial" panose="020B0604020202020204" pitchFamily="34" charset="0"/>
-              </a:rPr>
-              <a:t>模型图</a:t>
-            </a:r>
-            <a:endParaRPr kumimoji="1" lang="en-US" altLang="zh-CN" sz="1400" b="1" dirty="0">
-              <a:solidFill>
-                <a:srgbClr val="000000"/>
-              </a:solidFill>
-              <a:latin typeface="Arial" panose="020B0604020202020204" pitchFamily="34" charset="0"/>
-              <a:ea typeface="微软雅黑" panose="020B0503020204020204" pitchFamily="34" charset="-122"/>
-              <a:sym typeface="Arial" panose="020B0604020202020204" pitchFamily="34" charset="0"/>
-            </a:endParaRPr>
-          </a:p>
-        </p:txBody>
-      </p:sp>
-      <p:pic>
-        <p:nvPicPr>
-          <p:cNvPr id="15" name="图片 14">
-            <a:extLst>
-              <a:ext uri="{FF2B5EF4-FFF2-40B4-BE49-F238E27FC236}">
-                <a16:creationId xmlns:a16="http://schemas.microsoft.com/office/drawing/2014/main" id="{A98DB212-4F86-E885-FC1A-12456BF73C7C}"/>
-              </a:ext>
-            </a:extLst>
-          </p:cNvPr>
-          <p:cNvPicPr>
-            <a:picLocks noChangeAspect="1"/>
-          </p:cNvPicPr>
-          <p:nvPr/>
-        </p:nvPicPr>
-        <p:blipFill>
-          <a:blip r:embed="rId3"/>
-          <a:stretch>
-            <a:fillRect/>
-          </a:stretch>
-        </p:blipFill>
-        <p:spPr>
-          <a:xfrm>
-            <a:off x="7246961" y="3312864"/>
-            <a:ext cx="4392082" cy="3469269"/>
-          </a:xfrm>
-          <a:prstGeom prst="rect">
-            <a:avLst/>
-          </a:prstGeom>
-        </p:spPr>
-      </p:pic>
-      <p:sp>
-        <p:nvSpPr>
-          <p:cNvPr id="16" name="Bullet1">
-            <a:extLst>
-              <a:ext uri="{FF2B5EF4-FFF2-40B4-BE49-F238E27FC236}">
-                <a16:creationId xmlns:a16="http://schemas.microsoft.com/office/drawing/2014/main" id="{CF5B5691-9D63-68B7-BFE6-E9C478180930}"/>
-              </a:ext>
-            </a:extLst>
-          </p:cNvPr>
-          <p:cNvSpPr>
-            <a:spLocks/>
-          </p:cNvSpPr>
-          <p:nvPr/>
-        </p:nvSpPr>
-        <p:spPr>
-          <a:xfrm>
-            <a:off x="8065855" y="2945180"/>
-            <a:ext cx="2561174" cy="375038"/>
-          </a:xfrm>
-          <a:prstGeom prst="rect">
-            <a:avLst/>
-          </a:prstGeom>
-          <a:noFill/>
-          <a:ln>
-            <a:noFill/>
-          </a:ln>
-        </p:spPr>
-        <p:style>
-          <a:lnRef idx="2">
-            <a:schemeClr val="accent1">
-              <a:shade val="50000"/>
-            </a:schemeClr>
-          </a:lnRef>
-          <a:fillRef idx="1">
-            <a:schemeClr val="accent1"/>
-          </a:fillRef>
-          <a:effectRef idx="0">
-            <a:schemeClr val="accent1"/>
-          </a:effectRef>
-          <a:fontRef idx="minor">
-            <a:schemeClr val="lt1"/>
-          </a:fontRef>
-        </p:style>
-        <p:txBody>
-          <a:bodyPr wrap="square" lIns="91440" tIns="45720" rIns="91440" bIns="45720" rtlCol="0" anchor="ctr" anchorCtr="0">
-            <a:normAutofit/>
-          </a:bodyPr>
-          <a:lstStyle>
-            <a:defPPr>
-              <a:defRPr lang="zh-CN"/>
-            </a:defPPr>
-            <a:lvl1pPr marL="0" algn="l" defTabSz="914400" rtl="0" eaLnBrk="1" latinLnBrk="0" hangingPunct="1">
-              <a:defRPr sz="1800" kern="1200">
-                <a:solidFill>
-                  <a:schemeClr val="lt1"/>
-                </a:solidFill>
-                <a:latin typeface="+mn-lt"/>
-                <a:ea typeface="+mn-ea"/>
-                <a:cs typeface="+mn-cs"/>
-              </a:defRPr>
-            </a:lvl1pPr>
-            <a:lvl2pPr marL="457200" algn="l" defTabSz="914400" rtl="0" eaLnBrk="1" latinLnBrk="0" hangingPunct="1">
-              <a:defRPr sz="1800" kern="1200">
-                <a:solidFill>
-                  <a:schemeClr val="lt1"/>
-                </a:solidFill>
-                <a:latin typeface="+mn-lt"/>
-                <a:ea typeface="+mn-ea"/>
-                <a:cs typeface="+mn-cs"/>
-              </a:defRPr>
-            </a:lvl2pPr>
-            <a:lvl3pPr marL="914400" algn="l" defTabSz="914400" rtl="0" eaLnBrk="1" latinLnBrk="0" hangingPunct="1">
-              <a:defRPr sz="1800" kern="1200">
-                <a:solidFill>
-                  <a:schemeClr val="lt1"/>
-                </a:solidFill>
-                <a:latin typeface="+mn-lt"/>
-                <a:ea typeface="+mn-ea"/>
-                <a:cs typeface="+mn-cs"/>
-              </a:defRPr>
-            </a:lvl3pPr>
-            <a:lvl4pPr marL="1371600" algn="l" defTabSz="914400" rtl="0" eaLnBrk="1" latinLnBrk="0" hangingPunct="1">
-              <a:defRPr sz="1800" kern="1200">
-                <a:solidFill>
-                  <a:schemeClr val="lt1"/>
-                </a:solidFill>
-                <a:latin typeface="+mn-lt"/>
-                <a:ea typeface="+mn-ea"/>
-                <a:cs typeface="+mn-cs"/>
-              </a:defRPr>
-            </a:lvl4pPr>
-            <a:lvl5pPr marL="1828800" algn="l" defTabSz="914400" rtl="0" eaLnBrk="1" latinLnBrk="0" hangingPunct="1">
-              <a:defRPr sz="1800" kern="1200">
-                <a:solidFill>
-                  <a:schemeClr val="lt1"/>
-                </a:solidFill>
-                <a:latin typeface="+mn-lt"/>
-                <a:ea typeface="+mn-ea"/>
-                <a:cs typeface="+mn-cs"/>
-              </a:defRPr>
-            </a:lvl5pPr>
-            <a:lvl6pPr marL="2286000" algn="l" defTabSz="914400" rtl="0" eaLnBrk="1" latinLnBrk="0" hangingPunct="1">
-              <a:defRPr sz="1800" kern="1200">
-                <a:solidFill>
-                  <a:schemeClr val="lt1"/>
-                </a:solidFill>
-                <a:latin typeface="+mn-lt"/>
-                <a:ea typeface="+mn-ea"/>
-                <a:cs typeface="+mn-cs"/>
-              </a:defRPr>
-            </a:lvl6pPr>
-            <a:lvl7pPr marL="2743200" algn="l" defTabSz="914400" rtl="0" eaLnBrk="1" latinLnBrk="0" hangingPunct="1">
-              <a:defRPr sz="1800" kern="1200">
-                <a:solidFill>
-                  <a:schemeClr val="lt1"/>
-                </a:solidFill>
-                <a:latin typeface="+mn-lt"/>
-                <a:ea typeface="+mn-ea"/>
-                <a:cs typeface="+mn-cs"/>
-              </a:defRPr>
-            </a:lvl7pPr>
-            <a:lvl8pPr marL="3200400" algn="l" defTabSz="914400" rtl="0" eaLnBrk="1" latinLnBrk="0" hangingPunct="1">
-              <a:defRPr sz="1800" kern="1200">
-                <a:solidFill>
-                  <a:schemeClr val="lt1"/>
-                </a:solidFill>
-                <a:latin typeface="+mn-lt"/>
-                <a:ea typeface="+mn-ea"/>
-                <a:cs typeface="+mn-cs"/>
-              </a:defRPr>
-            </a:lvl8pPr>
-            <a:lvl9pPr marL="3657600" algn="l" defTabSz="914400" rtl="0" eaLnBrk="1" latinLnBrk="0" hangingPunct="1">
-              <a:defRPr sz="1800" kern="1200">
-                <a:solidFill>
-                  <a:schemeClr val="lt1"/>
-                </a:solidFill>
-                <a:latin typeface="+mn-lt"/>
-                <a:ea typeface="+mn-ea"/>
-                <a:cs typeface="+mn-cs"/>
-              </a:defRPr>
-            </a:lvl9pPr>
-          </a:lstStyle>
-          <a:p>
-            <a:pPr algn="ctr">
-              <a:lnSpc>
-                <a:spcPct val="120000"/>
-              </a:lnSpc>
-            </a:pPr>
-            <a:r>
-              <a:rPr kumimoji="1" lang="zh-CN" altLang="en-US" sz="1400" b="1">
-                <a:solidFill>
-                  <a:srgbClr val="000000"/>
-                </a:solidFill>
-                <a:latin typeface="Arial" panose="020B0604020202020204" pitchFamily="34" charset="0"/>
-                <a:ea typeface="微软雅黑" panose="020B0503020204020204" pitchFamily="34" charset="-122"/>
-                <a:sym typeface="Arial" panose="020B0604020202020204" pitchFamily="34" charset="0"/>
-              </a:rPr>
-              <a:t>图表形态</a:t>
-            </a:r>
-            <a:endParaRPr kumimoji="1" lang="en-US" altLang="zh-CN" sz="1400" b="1" dirty="0">
-              <a:solidFill>
-                <a:srgbClr val="000000"/>
-              </a:solidFill>
-              <a:latin typeface="Arial" panose="020B0604020202020204" pitchFamily="34" charset="0"/>
-              <a:ea typeface="微软雅黑" panose="020B0503020204020204" pitchFamily="34" charset="-122"/>
-              <a:sym typeface="Arial" panose="020B0604020202020204" pitchFamily="34" charset="0"/>
-            </a:endParaRPr>
-          </a:p>
-        </p:txBody>
-      </p:sp>
-    </p:spTree>
-    <p:extLst>
-      <p:ext uri="{BB962C8B-B14F-4D97-AF65-F5344CB8AC3E}">
-        <p14:creationId xmlns:p14="http://schemas.microsoft.com/office/powerpoint/2010/main" val="929550514"/>
-      </p:ext>
-    </p:extLst>
-  </p:cSld>
-  <p:clrMapOvr>
-    <a:masterClrMapping/>
-  </p:clrMapOvr>
-</p:sld>
-</file>
-
 <file path=ppt/slides/slide3.xml><?xml version="1.0" encoding="utf-8"?>
 <p:sld xmlns:a="http://schemas.openxmlformats.org/drawingml/2006/main" xmlns:r="http://schemas.openxmlformats.org/officeDocument/2006/relationships" xmlns:p="http://schemas.openxmlformats.org/presentationml/2006/main">
   <p:cSld>
@@ -19981,6 +20180,982 @@
     <p:extLst>
       <p:ext uri="{BB962C8B-B14F-4D97-AF65-F5344CB8AC3E}">
         <p14:creationId xmlns:p14="http://schemas.microsoft.com/office/powerpoint/2010/main" val="3375415546"/>
+      </p:ext>
+    </p:extLst>
+  </p:cSld>
+  <p:clrMapOvr>
+    <a:masterClrMapping/>
+  </p:clrMapOvr>
+</p:sld>
+</file>
+
+<file path=ppt/slides/slide30.xml><?xml version="1.0" encoding="utf-8"?>
+<p:sld xmlns:a="http://schemas.openxmlformats.org/drawingml/2006/main" xmlns:r="http://schemas.openxmlformats.org/officeDocument/2006/relationships" xmlns:p="http://schemas.openxmlformats.org/presentationml/2006/main">
+  <p:cSld>
+    <p:spTree>
+      <p:nvGrpSpPr>
+        <p:cNvPr id="1" name="">
+          <a:extLst>
+            <a:ext uri="{FF2B5EF4-FFF2-40B4-BE49-F238E27FC236}">
+              <a16:creationId xmlns:a16="http://schemas.microsoft.com/office/drawing/2014/main" id="{003BF3FC-4CF4-6885-CF2A-F754857C95EF}"/>
+            </a:ext>
+          </a:extLst>
+        </p:cNvPr>
+        <p:cNvGrpSpPr/>
+        <p:nvPr/>
+      </p:nvGrpSpPr>
+      <p:grpSpPr>
+        <a:xfrm>
+          <a:off x="0" y="0"/>
+          <a:ext cx="0" cy="0"/>
+          <a:chOff x="0" y="0"/>
+          <a:chExt cx="0" cy="0"/>
+        </a:xfrm>
+      </p:grpSpPr>
+      <p:grpSp>
+        <p:nvGrpSpPr>
+          <p:cNvPr id="2" name="组合 1">
+            <a:extLst>
+              <a:ext uri="{FF2B5EF4-FFF2-40B4-BE49-F238E27FC236}">
+                <a16:creationId xmlns:a16="http://schemas.microsoft.com/office/drawing/2014/main" id="{44D32ABF-A8ED-8475-52A6-76C3B6EA793C}"/>
+              </a:ext>
+            </a:extLst>
+          </p:cNvPr>
+          <p:cNvGrpSpPr/>
+          <p:nvPr/>
+        </p:nvGrpSpPr>
+        <p:grpSpPr>
+          <a:xfrm>
+            <a:off x="294231" y="1519767"/>
+            <a:ext cx="11504290" cy="316416"/>
+            <a:chOff x="2512891" y="3323394"/>
+            <a:chExt cx="11504290" cy="316416"/>
+          </a:xfrm>
+        </p:grpSpPr>
+        <p:sp>
+          <p:nvSpPr>
+            <p:cNvPr id="4" name="Bullet1">
+              <a:extLst>
+                <a:ext uri="{FF2B5EF4-FFF2-40B4-BE49-F238E27FC236}">
+                  <a16:creationId xmlns:a16="http://schemas.microsoft.com/office/drawing/2014/main" id="{CF9A403F-59D7-E18C-73FD-D98A2800D56F}"/>
+                </a:ext>
+              </a:extLst>
+            </p:cNvPr>
+            <p:cNvSpPr txBox="1">
+              <a:spLocks/>
+            </p:cNvSpPr>
+            <p:nvPr/>
+          </p:nvSpPr>
+          <p:spPr>
+            <a:xfrm flipH="1">
+              <a:off x="2577101" y="3323394"/>
+              <a:ext cx="11440080" cy="316416"/>
+            </a:xfrm>
+            <a:prstGeom prst="rect">
+              <a:avLst/>
+            </a:prstGeom>
+            <a:noFill/>
+          </p:spPr>
+          <p:txBody>
+            <a:bodyPr wrap="square" rtlCol="0" anchor="b" anchorCtr="0">
+              <a:normAutofit fontScale="85000" lnSpcReduction="10000"/>
+            </a:bodyPr>
+            <a:lstStyle/>
+            <a:p>
+              <a:pPr>
+                <a:lnSpc>
+                  <a:spcPct val="120000"/>
+                </a:lnSpc>
+              </a:pPr>
+              <a:r>
+                <a:rPr lang="zh-CN" altLang="en-US" b="1" dirty="0">
+                  <a:latin typeface="楷体" panose="02010609060101010101" pitchFamily="49" charset="-122"/>
+                  <a:ea typeface="楷体" panose="02010609060101010101" pitchFamily="49" charset="-122"/>
+                </a:rPr>
+                <a:t>摘要（</a:t>
+              </a:r>
+              <a:r>
+                <a:rPr lang="en-US" altLang="zh-CN" b="1" dirty="0">
+                  <a:latin typeface="楷体" panose="02010609060101010101" pitchFamily="49" charset="-122"/>
+                  <a:ea typeface="楷体" panose="02010609060101010101" pitchFamily="49" charset="-122"/>
+                </a:rPr>
+                <a:t>Abstract</a:t>
+              </a:r>
+              <a:r>
+                <a:rPr lang="zh-CN" altLang="en-US" b="1" dirty="0">
+                  <a:latin typeface="楷体" panose="02010609060101010101" pitchFamily="49" charset="-122"/>
+                  <a:ea typeface="楷体" panose="02010609060101010101" pitchFamily="49" charset="-122"/>
+                </a:rPr>
+                <a:t>）</a:t>
+              </a:r>
+              <a:endParaRPr lang="en-US" altLang="zh-CN" b="1" dirty="0">
+                <a:latin typeface="楷体" panose="02010609060101010101" pitchFamily="49" charset="-122"/>
+                <a:ea typeface="楷体" panose="02010609060101010101" pitchFamily="49" charset="-122"/>
+              </a:endParaRPr>
+            </a:p>
+          </p:txBody>
+        </p:sp>
+        <p:sp>
+          <p:nvSpPr>
+            <p:cNvPr id="5" name="Shape1">
+              <a:extLst>
+                <a:ext uri="{FF2B5EF4-FFF2-40B4-BE49-F238E27FC236}">
+                  <a16:creationId xmlns:a16="http://schemas.microsoft.com/office/drawing/2014/main" id="{40D372DB-B552-313C-39EB-8A65D6B5AAAF}"/>
+                </a:ext>
+              </a:extLst>
+            </p:cNvPr>
+            <p:cNvSpPr/>
+            <p:nvPr/>
+          </p:nvSpPr>
+          <p:spPr>
+            <a:xfrm>
+              <a:off x="2512891" y="3364871"/>
+              <a:ext cx="64212" cy="233462"/>
+            </a:xfrm>
+            <a:prstGeom prst="rect">
+              <a:avLst/>
+            </a:prstGeom>
+            <a:ln>
+              <a:noFill/>
+            </a:ln>
+          </p:spPr>
+          <p:style>
+            <a:lnRef idx="2">
+              <a:schemeClr val="accent1">
+                <a:shade val="15000"/>
+              </a:schemeClr>
+            </a:lnRef>
+            <a:fillRef idx="1">
+              <a:schemeClr val="accent1"/>
+            </a:fillRef>
+            <a:effectRef idx="0">
+              <a:schemeClr val="accent1"/>
+            </a:effectRef>
+            <a:fontRef idx="minor">
+              <a:schemeClr val="lt1"/>
+            </a:fontRef>
+          </p:style>
+          <p:txBody>
+            <a:bodyPr rtlCol="0" anchor="ctr"/>
+            <a:lstStyle/>
+            <a:p>
+              <a:pPr algn="ctr"/>
+              <a:endParaRPr lang="zh-CN" altLang="en-US"/>
+            </a:p>
+          </p:txBody>
+        </p:sp>
+      </p:grpSp>
+      <p:sp>
+        <p:nvSpPr>
+          <p:cNvPr id="6" name="标题 1">
+            <a:extLst>
+              <a:ext uri="{FF2B5EF4-FFF2-40B4-BE49-F238E27FC236}">
+                <a16:creationId xmlns:a16="http://schemas.microsoft.com/office/drawing/2014/main" id="{A19CD81B-4ADE-CA93-5495-17C2E50B1B6F}"/>
+              </a:ext>
+            </a:extLst>
+          </p:cNvPr>
+          <p:cNvSpPr txBox="1">
+            <a:spLocks/>
+          </p:cNvSpPr>
+          <p:nvPr/>
+        </p:nvSpPr>
+        <p:spPr>
+          <a:xfrm>
+            <a:off x="134679" y="75867"/>
+            <a:ext cx="11922642" cy="764583"/>
+          </a:xfrm>
+          <a:prstGeom prst="rect">
+            <a:avLst/>
+          </a:prstGeom>
+        </p:spPr>
+        <p:txBody>
+          <a:bodyPr vert="horz" lIns="91440" tIns="45720" rIns="91440" bIns="45720" rtlCol="0" anchor="ctr">
+            <a:normAutofit/>
+          </a:bodyPr>
+          <a:lstStyle>
+            <a:lvl1pPr algn="l" defTabSz="914400" rtl="0" eaLnBrk="1" latinLnBrk="0" hangingPunct="1">
+              <a:lnSpc>
+                <a:spcPct val="90000"/>
+              </a:lnSpc>
+              <a:spcBef>
+                <a:spcPct val="0"/>
+              </a:spcBef>
+              <a:buNone/>
+              <a:defRPr sz="4400" kern="1200">
+                <a:solidFill>
+                  <a:schemeClr val="tx1"/>
+                </a:solidFill>
+                <a:latin typeface="+mj-lt"/>
+                <a:ea typeface="+mj-ea"/>
+                <a:cs typeface="+mj-cs"/>
+              </a:defRPr>
+            </a:lvl1pPr>
+          </a:lstStyle>
+          <a:p>
+            <a:r>
+              <a:rPr lang="en-US" altLang="zh-CN" sz="2800" b="1" dirty="0">
+                <a:latin typeface="微软雅黑" panose="020B0503020204020204" pitchFamily="34" charset="-122"/>
+                <a:ea typeface="微软雅黑" panose="020B0503020204020204" pitchFamily="34" charset="-122"/>
+              </a:rPr>
+              <a:t>(Re-)</a:t>
+            </a:r>
+            <a:r>
+              <a:rPr lang="en-US" altLang="zh-CN" sz="2800" b="1" dirty="0" err="1">
+                <a:latin typeface="微软雅黑" panose="020B0503020204020204" pitchFamily="34" charset="-122"/>
+                <a:ea typeface="微软雅黑" panose="020B0503020204020204" pitchFamily="34" charset="-122"/>
+              </a:rPr>
+              <a:t>Imag</a:t>
+            </a:r>
+            <a:r>
+              <a:rPr lang="en-US" altLang="zh-CN" sz="2800" b="1" dirty="0">
+                <a:latin typeface="微软雅黑" panose="020B0503020204020204" pitchFamily="34" charset="-122"/>
+                <a:ea typeface="微软雅黑" panose="020B0503020204020204" pitchFamily="34" charset="-122"/>
+              </a:rPr>
+              <a:t>(in)</a:t>
+            </a:r>
+            <a:r>
+              <a:rPr lang="en-US" altLang="zh-CN" sz="2800" b="1" dirty="0" err="1">
+                <a:latin typeface="微软雅黑" panose="020B0503020204020204" pitchFamily="34" charset="-122"/>
+                <a:ea typeface="微软雅黑" panose="020B0503020204020204" pitchFamily="34" charset="-122"/>
+              </a:rPr>
+              <a:t>ing</a:t>
+            </a:r>
+            <a:r>
+              <a:rPr lang="en-US" altLang="zh-CN" sz="2800" b="1" dirty="0">
+                <a:latin typeface="微软雅黑" panose="020B0503020204020204" pitchFamily="34" charset="-122"/>
+                <a:ea typeface="微软雅黑" panose="020B0503020204020204" pitchFamily="34" charset="-122"/>
+              </a:rPr>
+              <a:t> Price Trends</a:t>
+            </a:r>
+            <a:endParaRPr lang="zh-CN" altLang="en-US" sz="2800" b="1" dirty="0">
+              <a:latin typeface="微软雅黑" panose="020B0503020204020204" pitchFamily="34" charset="-122"/>
+              <a:ea typeface="微软雅黑" panose="020B0503020204020204" pitchFamily="34" charset="-122"/>
+            </a:endParaRPr>
+          </a:p>
+        </p:txBody>
+      </p:sp>
+      <p:sp>
+        <p:nvSpPr>
+          <p:cNvPr id="9" name="Text1">
+            <a:extLst>
+              <a:ext uri="{FF2B5EF4-FFF2-40B4-BE49-F238E27FC236}">
+                <a16:creationId xmlns:a16="http://schemas.microsoft.com/office/drawing/2014/main" id="{64A01B2B-DE0B-26D8-C15E-449562AB136B}"/>
+              </a:ext>
+            </a:extLst>
+          </p:cNvPr>
+          <p:cNvSpPr txBox="1">
+            <a:spLocks/>
+          </p:cNvSpPr>
+          <p:nvPr/>
+        </p:nvSpPr>
+        <p:spPr>
+          <a:xfrm flipH="1">
+            <a:off x="358449" y="1877660"/>
+            <a:ext cx="11440082" cy="1193083"/>
+          </a:xfrm>
+          <a:prstGeom prst="rect">
+            <a:avLst/>
+          </a:prstGeom>
+          <a:noFill/>
+        </p:spPr>
+        <p:txBody>
+          <a:bodyPr wrap="square" lIns="91440" tIns="45720" rIns="91440" bIns="45720" anchor="t">
+            <a:noAutofit/>
+          </a:bodyPr>
+          <a:lstStyle/>
+          <a:p>
+            <a:pPr marR="0" lvl="0" algn="just" defTabSz="914400" rtl="0" eaLnBrk="1" fontAlgn="auto" latinLnBrk="0" hangingPunct="1">
+              <a:lnSpc>
+                <a:spcPct val="120000"/>
+              </a:lnSpc>
+              <a:spcBef>
+                <a:spcPts val="0"/>
+              </a:spcBef>
+              <a:spcAft>
+                <a:spcPts val="0"/>
+              </a:spcAft>
+              <a:buClrTx/>
+              <a:buSzTx/>
+              <a:tabLst/>
+              <a:defRPr/>
+            </a:pPr>
+            <a:r>
+              <a:rPr lang="zh-CN" altLang="en-US" sz="1400" dirty="0">
+                <a:latin typeface="楷体" panose="02010609060101010101" pitchFamily="49" charset="-122"/>
+                <a:ea typeface="楷体" panose="02010609060101010101" pitchFamily="49" charset="-122"/>
+                <a:cs typeface="+mn-ea"/>
+                <a:sym typeface="+mn-lt"/>
+              </a:rPr>
+              <a:t>原始预测数据是图像</a:t>
+            </a:r>
+            <a:r>
+              <a:rPr lang="en-US" altLang="zh-CN" sz="1400" dirty="0">
+                <a:latin typeface="楷体" panose="02010609060101010101" pitchFamily="49" charset="-122"/>
+                <a:ea typeface="楷体" panose="02010609060101010101" pitchFamily="49" charset="-122"/>
+                <a:cs typeface="+mn-ea"/>
+                <a:sym typeface="+mn-lt"/>
+              </a:rPr>
+              <a:t>——</a:t>
+            </a:r>
+            <a:r>
+              <a:rPr lang="zh-CN" altLang="en-US" sz="1400" dirty="0">
+                <a:latin typeface="楷体" panose="02010609060101010101" pitchFamily="49" charset="-122"/>
+                <a:ea typeface="楷体" panose="02010609060101010101" pitchFamily="49" charset="-122"/>
+                <a:cs typeface="+mn-ea"/>
+                <a:sym typeface="+mn-lt"/>
+              </a:rPr>
+              <a:t>即股票级别的价格图表，使用卷积神经网络（</a:t>
+            </a:r>
+            <a:r>
+              <a:rPr lang="en-US" altLang="zh-CN" sz="1400" dirty="0">
+                <a:latin typeface="楷体" panose="02010609060101010101" pitchFamily="49" charset="-122"/>
+                <a:ea typeface="楷体" panose="02010609060101010101" pitchFamily="49" charset="-122"/>
+                <a:cs typeface="+mn-ea"/>
+                <a:sym typeface="+mn-lt"/>
+              </a:rPr>
+              <a:t>CNN</a:t>
+            </a:r>
+            <a:r>
+              <a:rPr lang="zh-CN" altLang="en-US" sz="1400" dirty="0">
+                <a:latin typeface="楷体" panose="02010609060101010101" pitchFamily="49" charset="-122"/>
+                <a:ea typeface="楷体" panose="02010609060101010101" pitchFamily="49" charset="-122"/>
+                <a:cs typeface="+mn-ea"/>
+                <a:sym typeface="+mn-lt"/>
+              </a:rPr>
+              <a:t>）的图像分析方法从中提取最佳预测未来收益的价格模式。别出的预测模式在很大程度上与文献中常见的趋势信号不同，并且能提供更准确的收益预测，转化为更有利可图的投资策略，并对一系列规范变体保持稳健性。此外，这些模式似乎不受具体市场环境的限制：在短期时间尺度（如每日数据）上估计的预测模式，在长期时间尺度（如每月数据）上同样表现良好；而从美国股票中学习到的模式，在国际市场上同样适用。</a:t>
+            </a:r>
+            <a:endParaRPr lang="en-US" altLang="zh-CN" sz="1400" dirty="0">
+              <a:latin typeface="楷体" panose="02010609060101010101" pitchFamily="49" charset="-122"/>
+              <a:ea typeface="楷体" panose="02010609060101010101" pitchFamily="49" charset="-122"/>
+              <a:cs typeface="+mn-ea"/>
+              <a:sym typeface="+mn-lt"/>
+            </a:endParaRPr>
+          </a:p>
+        </p:txBody>
+      </p:sp>
+      <p:sp>
+        <p:nvSpPr>
+          <p:cNvPr id="3" name="Text1">
+            <a:extLst>
+              <a:ext uri="{FF2B5EF4-FFF2-40B4-BE49-F238E27FC236}">
+                <a16:creationId xmlns:a16="http://schemas.microsoft.com/office/drawing/2014/main" id="{874D6C20-F15B-F5AC-8FB0-8BEDEAED44CC}"/>
+              </a:ext>
+            </a:extLst>
+          </p:cNvPr>
+          <p:cNvSpPr txBox="1">
+            <a:spLocks/>
+          </p:cNvSpPr>
+          <p:nvPr/>
+        </p:nvSpPr>
+        <p:spPr>
+          <a:xfrm flipH="1">
+            <a:off x="198961" y="965446"/>
+            <a:ext cx="11440082" cy="561682"/>
+          </a:xfrm>
+          <a:prstGeom prst="rect">
+            <a:avLst/>
+          </a:prstGeom>
+          <a:noFill/>
+        </p:spPr>
+        <p:txBody>
+          <a:bodyPr wrap="square" lIns="91440" tIns="45720" rIns="91440" bIns="45720" anchor="t">
+            <a:noAutofit/>
+          </a:bodyPr>
+          <a:lstStyle/>
+          <a:p>
+            <a:pPr marL="0" marR="0" lvl="0" indent="0" defTabSz="914400" rtl="0" eaLnBrk="1" fontAlgn="auto" latinLnBrk="0" hangingPunct="1">
+              <a:lnSpc>
+                <a:spcPct val="120000"/>
+              </a:lnSpc>
+              <a:spcBef>
+                <a:spcPts val="0"/>
+              </a:spcBef>
+              <a:spcAft>
+                <a:spcPts val="0"/>
+              </a:spcAft>
+              <a:buClrTx/>
+              <a:buSzTx/>
+              <a:buFontTx/>
+              <a:buNone/>
+              <a:tabLst/>
+              <a:defRPr/>
+            </a:pPr>
+            <a:r>
+              <a:rPr lang="zh-CN" altLang="en-US" sz="1400" b="1" dirty="0">
+                <a:latin typeface="楷体" panose="02010609060101010101" pitchFamily="49" charset="-122"/>
+                <a:ea typeface="楷体" panose="02010609060101010101" pitchFamily="49" charset="-122"/>
+                <a:cs typeface="+mn-ea"/>
+                <a:sym typeface="+mn-lt"/>
+              </a:rPr>
+              <a:t>作者：</a:t>
+            </a:r>
+            <a:r>
+              <a:rPr lang="en-US" altLang="zh-CN" sz="1400" b="1" dirty="0" err="1">
+                <a:latin typeface="楷体" panose="02010609060101010101" pitchFamily="49" charset="-122"/>
+                <a:ea typeface="楷体" panose="02010609060101010101" pitchFamily="49" charset="-122"/>
+                <a:cs typeface="+mn-ea"/>
+                <a:sym typeface="+mn-lt"/>
+              </a:rPr>
+              <a:t>Jingwen</a:t>
+            </a:r>
+            <a:r>
+              <a:rPr lang="en-US" altLang="zh-CN" sz="1400" b="1" dirty="0">
+                <a:latin typeface="楷体" panose="02010609060101010101" pitchFamily="49" charset="-122"/>
+                <a:ea typeface="楷体" panose="02010609060101010101" pitchFamily="49" charset="-122"/>
+                <a:cs typeface="+mn-ea"/>
+                <a:sym typeface="+mn-lt"/>
+              </a:rPr>
+              <a:t> Jiang - </a:t>
+            </a:r>
+            <a:r>
+              <a:rPr lang="zh-CN" altLang="en-US" sz="1400" b="1" dirty="0">
+                <a:latin typeface="楷体" panose="02010609060101010101" pitchFamily="49" charset="-122"/>
+                <a:ea typeface="楷体" panose="02010609060101010101" pitchFamily="49" charset="-122"/>
+                <a:cs typeface="+mn-ea"/>
+                <a:sym typeface="+mn-lt"/>
+              </a:rPr>
+              <a:t>芝加哥大学计算机科学系，</a:t>
+            </a:r>
+            <a:r>
+              <a:rPr lang="en-US" altLang="zh-CN" sz="1400" b="1" dirty="0">
+                <a:latin typeface="楷体" panose="02010609060101010101" pitchFamily="49" charset="-122"/>
+                <a:ea typeface="楷体" panose="02010609060101010101" pitchFamily="49" charset="-122"/>
+                <a:cs typeface="+mn-ea"/>
+                <a:sym typeface="+mn-lt"/>
+              </a:rPr>
+              <a:t>Bryan Kelly - </a:t>
+            </a:r>
+            <a:r>
+              <a:rPr lang="zh-CN" altLang="en-US" sz="1400" b="1" dirty="0">
+                <a:latin typeface="楷体" panose="02010609060101010101" pitchFamily="49" charset="-122"/>
+                <a:ea typeface="楷体" panose="02010609060101010101" pitchFamily="49" charset="-122"/>
+                <a:cs typeface="+mn-ea"/>
+                <a:sym typeface="+mn-lt"/>
+              </a:rPr>
+              <a:t>耶鲁大学（</a:t>
+            </a:r>
+            <a:r>
+              <a:rPr lang="en-US" altLang="zh-CN" sz="1400" b="1" dirty="0">
+                <a:latin typeface="楷体" panose="02010609060101010101" pitchFamily="49" charset="-122"/>
+                <a:ea typeface="楷体" panose="02010609060101010101" pitchFamily="49" charset="-122"/>
+                <a:cs typeface="+mn-ea"/>
+                <a:sym typeface="+mn-lt"/>
+              </a:rPr>
+              <a:t>Yale University</a:t>
+            </a:r>
+            <a:r>
+              <a:rPr lang="zh-CN" altLang="en-US" sz="1400" b="1" dirty="0">
+                <a:latin typeface="楷体" panose="02010609060101010101" pitchFamily="49" charset="-122"/>
+                <a:ea typeface="楷体" panose="02010609060101010101" pitchFamily="49" charset="-122"/>
+                <a:cs typeface="+mn-ea"/>
+                <a:sym typeface="+mn-lt"/>
+              </a:rPr>
+              <a:t>）、</a:t>
+            </a:r>
+            <a:r>
+              <a:rPr lang="en-US" altLang="zh-CN" sz="1400" b="1" dirty="0">
+                <a:latin typeface="楷体" panose="02010609060101010101" pitchFamily="49" charset="-122"/>
+                <a:ea typeface="楷体" panose="02010609060101010101" pitchFamily="49" charset="-122"/>
+                <a:cs typeface="+mn-ea"/>
+                <a:sym typeface="+mn-lt"/>
+              </a:rPr>
+              <a:t>AQR</a:t>
+            </a:r>
+            <a:r>
+              <a:rPr lang="zh-CN" altLang="en-US" sz="1400" b="1" dirty="0">
+                <a:latin typeface="楷体" panose="02010609060101010101" pitchFamily="49" charset="-122"/>
+                <a:ea typeface="楷体" panose="02010609060101010101" pitchFamily="49" charset="-122"/>
+                <a:cs typeface="+mn-ea"/>
+                <a:sym typeface="+mn-lt"/>
+              </a:rPr>
+              <a:t>资本管理公司（</a:t>
+            </a:r>
+            <a:r>
+              <a:rPr lang="en-US" altLang="zh-CN" sz="1400" b="1" dirty="0">
+                <a:latin typeface="楷体" panose="02010609060101010101" pitchFamily="49" charset="-122"/>
+                <a:ea typeface="楷体" panose="02010609060101010101" pitchFamily="49" charset="-122"/>
+                <a:cs typeface="+mn-ea"/>
+                <a:sym typeface="+mn-lt"/>
+              </a:rPr>
+              <a:t>AQR Capital Management</a:t>
+            </a:r>
+            <a:r>
+              <a:rPr lang="zh-CN" altLang="en-US" sz="1400" b="1" dirty="0">
+                <a:latin typeface="楷体" panose="02010609060101010101" pitchFamily="49" charset="-122"/>
+                <a:ea typeface="楷体" panose="02010609060101010101" pitchFamily="49" charset="-122"/>
+                <a:cs typeface="+mn-ea"/>
+                <a:sym typeface="+mn-lt"/>
+              </a:rPr>
+              <a:t>）、美国国家经济研究局（</a:t>
+            </a:r>
+            <a:r>
+              <a:rPr lang="en-US" altLang="zh-CN" sz="1400" b="1" dirty="0">
+                <a:latin typeface="楷体" panose="02010609060101010101" pitchFamily="49" charset="-122"/>
+                <a:ea typeface="楷体" panose="02010609060101010101" pitchFamily="49" charset="-122"/>
+                <a:cs typeface="+mn-ea"/>
+                <a:sym typeface="+mn-lt"/>
+              </a:rPr>
+              <a:t>NBER</a:t>
+            </a:r>
+            <a:r>
+              <a:rPr lang="zh-CN" altLang="en-US" sz="1400" b="1" dirty="0">
+                <a:latin typeface="楷体" panose="02010609060101010101" pitchFamily="49" charset="-122"/>
+                <a:ea typeface="楷体" panose="02010609060101010101" pitchFamily="49" charset="-122"/>
+                <a:cs typeface="+mn-ea"/>
+                <a:sym typeface="+mn-lt"/>
+              </a:rPr>
+              <a:t>）</a:t>
+            </a:r>
+            <a:endParaRPr lang="en-US" altLang="zh-CN" sz="1400" b="1" dirty="0">
+              <a:latin typeface="楷体" panose="02010609060101010101" pitchFamily="49" charset="-122"/>
+              <a:ea typeface="楷体" panose="02010609060101010101" pitchFamily="49" charset="-122"/>
+              <a:cs typeface="+mn-ea"/>
+              <a:sym typeface="+mn-lt"/>
+            </a:endParaRPr>
+          </a:p>
+          <a:p>
+            <a:pPr marL="0" marR="0" lvl="0" indent="0" defTabSz="914400" rtl="0" eaLnBrk="1" fontAlgn="auto" latinLnBrk="0" hangingPunct="1">
+              <a:lnSpc>
+                <a:spcPct val="120000"/>
+              </a:lnSpc>
+              <a:spcBef>
+                <a:spcPts val="0"/>
+              </a:spcBef>
+              <a:spcAft>
+                <a:spcPts val="0"/>
+              </a:spcAft>
+              <a:buClrTx/>
+              <a:buSzTx/>
+              <a:buFontTx/>
+              <a:buNone/>
+              <a:tabLst/>
+              <a:defRPr/>
+            </a:pPr>
+            <a:endParaRPr lang="en-US" altLang="zh-CN" sz="1400" i="0" dirty="0">
+              <a:effectLst/>
+              <a:latin typeface="楷体" panose="02010609060101010101" pitchFamily="49" charset="-122"/>
+              <a:ea typeface="楷体" panose="02010609060101010101" pitchFamily="49" charset="-122"/>
+              <a:cs typeface="+mn-ea"/>
+              <a:sym typeface="+mn-lt"/>
+            </a:endParaRPr>
+          </a:p>
+        </p:txBody>
+      </p:sp>
+      <p:pic>
+        <p:nvPicPr>
+          <p:cNvPr id="10" name="图片 9">
+            <a:extLst>
+              <a:ext uri="{FF2B5EF4-FFF2-40B4-BE49-F238E27FC236}">
+                <a16:creationId xmlns:a16="http://schemas.microsoft.com/office/drawing/2014/main" id="{8282F583-DF76-68DD-CF89-6FA9EA8AE592}"/>
+              </a:ext>
+            </a:extLst>
+          </p:cNvPr>
+          <p:cNvPicPr>
+            <a:picLocks noChangeAspect="1"/>
+          </p:cNvPicPr>
+          <p:nvPr/>
+        </p:nvPicPr>
+        <p:blipFill>
+          <a:blip r:embed="rId2"/>
+          <a:stretch>
+            <a:fillRect/>
+          </a:stretch>
+        </p:blipFill>
+        <p:spPr>
+          <a:xfrm>
+            <a:off x="358441" y="3207224"/>
+            <a:ext cx="5483123" cy="3552439"/>
+          </a:xfrm>
+          <a:prstGeom prst="rect">
+            <a:avLst/>
+          </a:prstGeom>
+        </p:spPr>
+      </p:pic>
+      <p:sp>
+        <p:nvSpPr>
+          <p:cNvPr id="12" name="Bullet1">
+            <a:extLst>
+              <a:ext uri="{FF2B5EF4-FFF2-40B4-BE49-F238E27FC236}">
+                <a16:creationId xmlns:a16="http://schemas.microsoft.com/office/drawing/2014/main" id="{F0B5FEBF-85F9-9803-36CE-CB4DC7906534}"/>
+              </a:ext>
+            </a:extLst>
+          </p:cNvPr>
+          <p:cNvSpPr>
+            <a:spLocks/>
+          </p:cNvSpPr>
+          <p:nvPr/>
+        </p:nvSpPr>
+        <p:spPr>
+          <a:xfrm>
+            <a:off x="1840201" y="2943838"/>
+            <a:ext cx="2561174" cy="375038"/>
+          </a:xfrm>
+          <a:prstGeom prst="rect">
+            <a:avLst/>
+          </a:prstGeom>
+          <a:noFill/>
+          <a:ln>
+            <a:noFill/>
+          </a:ln>
+        </p:spPr>
+        <p:style>
+          <a:lnRef idx="2">
+            <a:schemeClr val="accent1">
+              <a:shade val="50000"/>
+            </a:schemeClr>
+          </a:lnRef>
+          <a:fillRef idx="1">
+            <a:schemeClr val="accent1"/>
+          </a:fillRef>
+          <a:effectRef idx="0">
+            <a:schemeClr val="accent1"/>
+          </a:effectRef>
+          <a:fontRef idx="minor">
+            <a:schemeClr val="lt1"/>
+          </a:fontRef>
+        </p:style>
+        <p:txBody>
+          <a:bodyPr wrap="square" lIns="91440" tIns="45720" rIns="91440" bIns="45720" rtlCol="0" anchor="ctr" anchorCtr="0">
+            <a:normAutofit/>
+          </a:bodyPr>
+          <a:lstStyle>
+            <a:defPPr>
+              <a:defRPr lang="zh-CN"/>
+            </a:defPPr>
+            <a:lvl1pPr marL="0" algn="l" defTabSz="914400" rtl="0" eaLnBrk="1" latinLnBrk="0" hangingPunct="1">
+              <a:defRPr sz="1800" kern="1200">
+                <a:solidFill>
+                  <a:schemeClr val="lt1"/>
+                </a:solidFill>
+                <a:latin typeface="+mn-lt"/>
+                <a:ea typeface="+mn-ea"/>
+                <a:cs typeface="+mn-cs"/>
+              </a:defRPr>
+            </a:lvl1pPr>
+            <a:lvl2pPr marL="457200" algn="l" defTabSz="914400" rtl="0" eaLnBrk="1" latinLnBrk="0" hangingPunct="1">
+              <a:defRPr sz="1800" kern="1200">
+                <a:solidFill>
+                  <a:schemeClr val="lt1"/>
+                </a:solidFill>
+                <a:latin typeface="+mn-lt"/>
+                <a:ea typeface="+mn-ea"/>
+                <a:cs typeface="+mn-cs"/>
+              </a:defRPr>
+            </a:lvl2pPr>
+            <a:lvl3pPr marL="914400" algn="l" defTabSz="914400" rtl="0" eaLnBrk="1" latinLnBrk="0" hangingPunct="1">
+              <a:defRPr sz="1800" kern="1200">
+                <a:solidFill>
+                  <a:schemeClr val="lt1"/>
+                </a:solidFill>
+                <a:latin typeface="+mn-lt"/>
+                <a:ea typeface="+mn-ea"/>
+                <a:cs typeface="+mn-cs"/>
+              </a:defRPr>
+            </a:lvl3pPr>
+            <a:lvl4pPr marL="1371600" algn="l" defTabSz="914400" rtl="0" eaLnBrk="1" latinLnBrk="0" hangingPunct="1">
+              <a:defRPr sz="1800" kern="1200">
+                <a:solidFill>
+                  <a:schemeClr val="lt1"/>
+                </a:solidFill>
+                <a:latin typeface="+mn-lt"/>
+                <a:ea typeface="+mn-ea"/>
+                <a:cs typeface="+mn-cs"/>
+              </a:defRPr>
+            </a:lvl4pPr>
+            <a:lvl5pPr marL="1828800" algn="l" defTabSz="914400" rtl="0" eaLnBrk="1" latinLnBrk="0" hangingPunct="1">
+              <a:defRPr sz="1800" kern="1200">
+                <a:solidFill>
+                  <a:schemeClr val="lt1"/>
+                </a:solidFill>
+                <a:latin typeface="+mn-lt"/>
+                <a:ea typeface="+mn-ea"/>
+                <a:cs typeface="+mn-cs"/>
+              </a:defRPr>
+            </a:lvl5pPr>
+            <a:lvl6pPr marL="2286000" algn="l" defTabSz="914400" rtl="0" eaLnBrk="1" latinLnBrk="0" hangingPunct="1">
+              <a:defRPr sz="1800" kern="1200">
+                <a:solidFill>
+                  <a:schemeClr val="lt1"/>
+                </a:solidFill>
+                <a:latin typeface="+mn-lt"/>
+                <a:ea typeface="+mn-ea"/>
+                <a:cs typeface="+mn-cs"/>
+              </a:defRPr>
+            </a:lvl6pPr>
+            <a:lvl7pPr marL="2743200" algn="l" defTabSz="914400" rtl="0" eaLnBrk="1" latinLnBrk="0" hangingPunct="1">
+              <a:defRPr sz="1800" kern="1200">
+                <a:solidFill>
+                  <a:schemeClr val="lt1"/>
+                </a:solidFill>
+                <a:latin typeface="+mn-lt"/>
+                <a:ea typeface="+mn-ea"/>
+                <a:cs typeface="+mn-cs"/>
+              </a:defRPr>
+            </a:lvl7pPr>
+            <a:lvl8pPr marL="3200400" algn="l" defTabSz="914400" rtl="0" eaLnBrk="1" latinLnBrk="0" hangingPunct="1">
+              <a:defRPr sz="1800" kern="1200">
+                <a:solidFill>
+                  <a:schemeClr val="lt1"/>
+                </a:solidFill>
+                <a:latin typeface="+mn-lt"/>
+                <a:ea typeface="+mn-ea"/>
+                <a:cs typeface="+mn-cs"/>
+              </a:defRPr>
+            </a:lvl8pPr>
+            <a:lvl9pPr marL="3657600" algn="l" defTabSz="914400" rtl="0" eaLnBrk="1" latinLnBrk="0" hangingPunct="1">
+              <a:defRPr sz="1800" kern="1200">
+                <a:solidFill>
+                  <a:schemeClr val="lt1"/>
+                </a:solidFill>
+                <a:latin typeface="+mn-lt"/>
+                <a:ea typeface="+mn-ea"/>
+                <a:cs typeface="+mn-cs"/>
+              </a:defRPr>
+            </a:lvl9pPr>
+          </a:lstStyle>
+          <a:p>
+            <a:pPr algn="ctr">
+              <a:lnSpc>
+                <a:spcPct val="120000"/>
+              </a:lnSpc>
+            </a:pPr>
+            <a:r>
+              <a:rPr kumimoji="1" lang="en-US" altLang="zh-CN" sz="1400" b="1" dirty="0">
+                <a:solidFill>
+                  <a:srgbClr val="000000"/>
+                </a:solidFill>
+                <a:latin typeface="Arial" panose="020B0604020202020204" pitchFamily="34" charset="0"/>
+                <a:ea typeface="微软雅黑" panose="020B0503020204020204" pitchFamily="34" charset="-122"/>
+                <a:sym typeface="Arial" panose="020B0604020202020204" pitchFamily="34" charset="0"/>
+              </a:rPr>
+              <a:t>CNN</a:t>
+            </a:r>
+            <a:r>
+              <a:rPr kumimoji="1" lang="zh-CN" altLang="en-US" sz="1400" b="1" dirty="0">
+                <a:solidFill>
+                  <a:srgbClr val="000000"/>
+                </a:solidFill>
+                <a:latin typeface="Arial" panose="020B0604020202020204" pitchFamily="34" charset="0"/>
+                <a:ea typeface="微软雅黑" panose="020B0503020204020204" pitchFamily="34" charset="-122"/>
+                <a:sym typeface="Arial" panose="020B0604020202020204" pitchFamily="34" charset="0"/>
+              </a:rPr>
+              <a:t>模型图</a:t>
+            </a:r>
+            <a:endParaRPr kumimoji="1" lang="en-US" altLang="zh-CN" sz="1400" b="1" dirty="0">
+              <a:solidFill>
+                <a:srgbClr val="000000"/>
+              </a:solidFill>
+              <a:latin typeface="Arial" panose="020B0604020202020204" pitchFamily="34" charset="0"/>
+              <a:ea typeface="微软雅黑" panose="020B0503020204020204" pitchFamily="34" charset="-122"/>
+              <a:sym typeface="Arial" panose="020B0604020202020204" pitchFamily="34" charset="0"/>
+            </a:endParaRPr>
+          </a:p>
+        </p:txBody>
+      </p:sp>
+      <p:pic>
+        <p:nvPicPr>
+          <p:cNvPr id="15" name="图片 14">
+            <a:extLst>
+              <a:ext uri="{FF2B5EF4-FFF2-40B4-BE49-F238E27FC236}">
+                <a16:creationId xmlns:a16="http://schemas.microsoft.com/office/drawing/2014/main" id="{A98DB212-4F86-E885-FC1A-12456BF73C7C}"/>
+              </a:ext>
+            </a:extLst>
+          </p:cNvPr>
+          <p:cNvPicPr>
+            <a:picLocks noChangeAspect="1"/>
+          </p:cNvPicPr>
+          <p:nvPr/>
+        </p:nvPicPr>
+        <p:blipFill>
+          <a:blip r:embed="rId3"/>
+          <a:stretch>
+            <a:fillRect/>
+          </a:stretch>
+        </p:blipFill>
+        <p:spPr>
+          <a:xfrm>
+            <a:off x="7246961" y="3312864"/>
+            <a:ext cx="4392082" cy="3469269"/>
+          </a:xfrm>
+          <a:prstGeom prst="rect">
+            <a:avLst/>
+          </a:prstGeom>
+        </p:spPr>
+      </p:pic>
+      <p:sp>
+        <p:nvSpPr>
+          <p:cNvPr id="16" name="Bullet1">
+            <a:extLst>
+              <a:ext uri="{FF2B5EF4-FFF2-40B4-BE49-F238E27FC236}">
+                <a16:creationId xmlns:a16="http://schemas.microsoft.com/office/drawing/2014/main" id="{CF5B5691-9D63-68B7-BFE6-E9C478180930}"/>
+              </a:ext>
+            </a:extLst>
+          </p:cNvPr>
+          <p:cNvSpPr>
+            <a:spLocks/>
+          </p:cNvSpPr>
+          <p:nvPr/>
+        </p:nvSpPr>
+        <p:spPr>
+          <a:xfrm>
+            <a:off x="8065855" y="2945180"/>
+            <a:ext cx="2561174" cy="375038"/>
+          </a:xfrm>
+          <a:prstGeom prst="rect">
+            <a:avLst/>
+          </a:prstGeom>
+          <a:noFill/>
+          <a:ln>
+            <a:noFill/>
+          </a:ln>
+        </p:spPr>
+        <p:style>
+          <a:lnRef idx="2">
+            <a:schemeClr val="accent1">
+              <a:shade val="50000"/>
+            </a:schemeClr>
+          </a:lnRef>
+          <a:fillRef idx="1">
+            <a:schemeClr val="accent1"/>
+          </a:fillRef>
+          <a:effectRef idx="0">
+            <a:schemeClr val="accent1"/>
+          </a:effectRef>
+          <a:fontRef idx="minor">
+            <a:schemeClr val="lt1"/>
+          </a:fontRef>
+        </p:style>
+        <p:txBody>
+          <a:bodyPr wrap="square" lIns="91440" tIns="45720" rIns="91440" bIns="45720" rtlCol="0" anchor="ctr" anchorCtr="0">
+            <a:normAutofit/>
+          </a:bodyPr>
+          <a:lstStyle>
+            <a:defPPr>
+              <a:defRPr lang="zh-CN"/>
+            </a:defPPr>
+            <a:lvl1pPr marL="0" algn="l" defTabSz="914400" rtl="0" eaLnBrk="1" latinLnBrk="0" hangingPunct="1">
+              <a:defRPr sz="1800" kern="1200">
+                <a:solidFill>
+                  <a:schemeClr val="lt1"/>
+                </a:solidFill>
+                <a:latin typeface="+mn-lt"/>
+                <a:ea typeface="+mn-ea"/>
+                <a:cs typeface="+mn-cs"/>
+              </a:defRPr>
+            </a:lvl1pPr>
+            <a:lvl2pPr marL="457200" algn="l" defTabSz="914400" rtl="0" eaLnBrk="1" latinLnBrk="0" hangingPunct="1">
+              <a:defRPr sz="1800" kern="1200">
+                <a:solidFill>
+                  <a:schemeClr val="lt1"/>
+                </a:solidFill>
+                <a:latin typeface="+mn-lt"/>
+                <a:ea typeface="+mn-ea"/>
+                <a:cs typeface="+mn-cs"/>
+              </a:defRPr>
+            </a:lvl2pPr>
+            <a:lvl3pPr marL="914400" algn="l" defTabSz="914400" rtl="0" eaLnBrk="1" latinLnBrk="0" hangingPunct="1">
+              <a:defRPr sz="1800" kern="1200">
+                <a:solidFill>
+                  <a:schemeClr val="lt1"/>
+                </a:solidFill>
+                <a:latin typeface="+mn-lt"/>
+                <a:ea typeface="+mn-ea"/>
+                <a:cs typeface="+mn-cs"/>
+              </a:defRPr>
+            </a:lvl3pPr>
+            <a:lvl4pPr marL="1371600" algn="l" defTabSz="914400" rtl="0" eaLnBrk="1" latinLnBrk="0" hangingPunct="1">
+              <a:defRPr sz="1800" kern="1200">
+                <a:solidFill>
+                  <a:schemeClr val="lt1"/>
+                </a:solidFill>
+                <a:latin typeface="+mn-lt"/>
+                <a:ea typeface="+mn-ea"/>
+                <a:cs typeface="+mn-cs"/>
+              </a:defRPr>
+            </a:lvl4pPr>
+            <a:lvl5pPr marL="1828800" algn="l" defTabSz="914400" rtl="0" eaLnBrk="1" latinLnBrk="0" hangingPunct="1">
+              <a:defRPr sz="1800" kern="1200">
+                <a:solidFill>
+                  <a:schemeClr val="lt1"/>
+                </a:solidFill>
+                <a:latin typeface="+mn-lt"/>
+                <a:ea typeface="+mn-ea"/>
+                <a:cs typeface="+mn-cs"/>
+              </a:defRPr>
+            </a:lvl5pPr>
+            <a:lvl6pPr marL="2286000" algn="l" defTabSz="914400" rtl="0" eaLnBrk="1" latinLnBrk="0" hangingPunct="1">
+              <a:defRPr sz="1800" kern="1200">
+                <a:solidFill>
+                  <a:schemeClr val="lt1"/>
+                </a:solidFill>
+                <a:latin typeface="+mn-lt"/>
+                <a:ea typeface="+mn-ea"/>
+                <a:cs typeface="+mn-cs"/>
+              </a:defRPr>
+            </a:lvl6pPr>
+            <a:lvl7pPr marL="2743200" algn="l" defTabSz="914400" rtl="0" eaLnBrk="1" latinLnBrk="0" hangingPunct="1">
+              <a:defRPr sz="1800" kern="1200">
+                <a:solidFill>
+                  <a:schemeClr val="lt1"/>
+                </a:solidFill>
+                <a:latin typeface="+mn-lt"/>
+                <a:ea typeface="+mn-ea"/>
+                <a:cs typeface="+mn-cs"/>
+              </a:defRPr>
+            </a:lvl7pPr>
+            <a:lvl8pPr marL="3200400" algn="l" defTabSz="914400" rtl="0" eaLnBrk="1" latinLnBrk="0" hangingPunct="1">
+              <a:defRPr sz="1800" kern="1200">
+                <a:solidFill>
+                  <a:schemeClr val="lt1"/>
+                </a:solidFill>
+                <a:latin typeface="+mn-lt"/>
+                <a:ea typeface="+mn-ea"/>
+                <a:cs typeface="+mn-cs"/>
+              </a:defRPr>
+            </a:lvl8pPr>
+            <a:lvl9pPr marL="3657600" algn="l" defTabSz="914400" rtl="0" eaLnBrk="1" latinLnBrk="0" hangingPunct="1">
+              <a:defRPr sz="1800" kern="1200">
+                <a:solidFill>
+                  <a:schemeClr val="lt1"/>
+                </a:solidFill>
+                <a:latin typeface="+mn-lt"/>
+                <a:ea typeface="+mn-ea"/>
+                <a:cs typeface="+mn-cs"/>
+              </a:defRPr>
+            </a:lvl9pPr>
+          </a:lstStyle>
+          <a:p>
+            <a:pPr algn="ctr">
+              <a:lnSpc>
+                <a:spcPct val="120000"/>
+              </a:lnSpc>
+            </a:pPr>
+            <a:r>
+              <a:rPr kumimoji="1" lang="zh-CN" altLang="en-US" sz="1400" b="1">
+                <a:solidFill>
+                  <a:srgbClr val="000000"/>
+                </a:solidFill>
+                <a:latin typeface="Arial" panose="020B0604020202020204" pitchFamily="34" charset="0"/>
+                <a:ea typeface="微软雅黑" panose="020B0503020204020204" pitchFamily="34" charset="-122"/>
+                <a:sym typeface="Arial" panose="020B0604020202020204" pitchFamily="34" charset="0"/>
+              </a:rPr>
+              <a:t>图表形态</a:t>
+            </a:r>
+            <a:endParaRPr kumimoji="1" lang="en-US" altLang="zh-CN" sz="1400" b="1" dirty="0">
+              <a:solidFill>
+                <a:srgbClr val="000000"/>
+              </a:solidFill>
+              <a:latin typeface="Arial" panose="020B0604020202020204" pitchFamily="34" charset="0"/>
+              <a:ea typeface="微软雅黑" panose="020B0503020204020204" pitchFamily="34" charset="-122"/>
+              <a:sym typeface="Arial" panose="020B0604020202020204" pitchFamily="34" charset="0"/>
+            </a:endParaRPr>
+          </a:p>
+        </p:txBody>
+      </p:sp>
+    </p:spTree>
+    <p:extLst>
+      <p:ext uri="{BB962C8B-B14F-4D97-AF65-F5344CB8AC3E}">
+        <p14:creationId xmlns:p14="http://schemas.microsoft.com/office/powerpoint/2010/main" val="929550514"/>
       </p:ext>
     </p:extLst>
   </p:cSld>
